--- a/Final Project Presentation.pptx
+++ b/Final Project Presentation.pptx
@@ -18,32 +18,30 @@
     <p:sldId id="263" r:id="rId13"/>
     <p:sldId id="264" r:id="rId14"/>
     <p:sldId id="265" r:id="rId15"/>
-    <p:sldId id="266" r:id="rId16"/>
-    <p:sldId id="267" r:id="rId17"/>
   </p:sldIdLst>
   <p:sldSz cy="5143500" cx="9144000"/>
   <p:notesSz cx="6858000" cy="9144000"/>
   <p:embeddedFontLst>
     <p:embeddedFont>
       <p:font typeface="Proxima Nova"/>
-      <p:regular r:id="rId18"/>
-      <p:bold r:id="rId19"/>
-      <p:italic r:id="rId20"/>
-      <p:boldItalic r:id="rId21"/>
+      <p:regular r:id="rId16"/>
+      <p:bold r:id="rId17"/>
+      <p:italic r:id="rId18"/>
+      <p:boldItalic r:id="rId19"/>
     </p:embeddedFont>
     <p:embeddedFont>
       <p:font typeface="Roboto"/>
-      <p:regular r:id="rId22"/>
-      <p:bold r:id="rId23"/>
-      <p:italic r:id="rId24"/>
-      <p:boldItalic r:id="rId25"/>
+      <p:regular r:id="rId20"/>
+      <p:bold r:id="rId21"/>
+      <p:italic r:id="rId22"/>
+      <p:boldItalic r:id="rId23"/>
     </p:embeddedFont>
     <p:embeddedFont>
       <p:font typeface="Open Sans"/>
-      <p:regular r:id="rId26"/>
-      <p:bold r:id="rId27"/>
-      <p:italic r:id="rId28"/>
-      <p:boldItalic r:id="rId29"/>
+      <p:regular r:id="rId24"/>
+      <p:bold r:id="rId25"/>
+      <p:italic r:id="rId26"/>
+      <p:boldItalic r:id="rId27"/>
     </p:embeddedFont>
   </p:embeddedFontLst>
   <p:defaultTextStyle>
@@ -824,7 +822,7 @@
   <p:cSld>
     <p:spTree>
       <p:nvGrpSpPr>
-        <p:cNvPr id="149" name="Shape 149"/>
+        <p:cNvPr id="155" name="Shape 155"/>
         <p:cNvGrpSpPr/>
         <p:nvPr/>
       </p:nvGrpSpPr>
@@ -838,7 +836,7 @@
       </p:grpSpPr>
       <p:sp>
         <p:nvSpPr>
-          <p:cNvPr id="150" name="Google Shape;150;g1afdc4020a2_0_18:notes"/>
+          <p:cNvPr id="156" name="Google Shape;156;g1b002973b70_0_6:notes"/>
           <p:cNvSpPr/>
           <p:nvPr>
             <p:ph idx="2" type="sldImg"/>
@@ -873,205 +871,7 @@
       </p:sp>
       <p:sp>
         <p:nvSpPr>
-          <p:cNvPr id="151" name="Google Shape;151;g1afdc4020a2_0_18:notes"/>
-          <p:cNvSpPr txBox="1"/>
-          <p:nvPr>
-            <p:ph idx="1" type="body"/>
-          </p:nvPr>
-        </p:nvSpPr>
-        <p:spPr>
-          <a:xfrm>
-            <a:off x="685800" y="4343400"/>
-            <a:ext cx="5486400" cy="4114800"/>
-          </a:xfrm>
-          <a:prstGeom prst="rect">
-            <a:avLst/>
-          </a:prstGeom>
-        </p:spPr>
-        <p:txBody>
-          <a:bodyPr anchorCtr="0" anchor="t" bIns="91425" lIns="91425" spcFirstLastPara="1" rIns="91425" wrap="square" tIns="91425">
-            <a:noAutofit/>
-          </a:bodyPr>
-          <a:lstStyle/>
-          <a:p>
-            <a:pPr indent="0" lvl="0" marL="0" rtl="0" algn="l">
-              <a:spcBef>
-                <a:spcPts val="0"/>
-              </a:spcBef>
-              <a:spcAft>
-                <a:spcPts val="0"/>
-              </a:spcAft>
-              <a:buNone/>
-            </a:pPr>
-            <a:r>
-              <a:t/>
-            </a:r>
-            <a:endParaRPr/>
-          </a:p>
-        </p:txBody>
-      </p:sp>
-    </p:spTree>
-  </p:cSld>
-  <p:clrMapOvr>
-    <a:masterClrMapping/>
-  </p:clrMapOvr>
-</p:notes>
-</file>
-
-<file path=ppt/notesSlides/notesSlide11.xml><?xml version="1.0" encoding="utf-8"?>
-<p:notes xmlns:a="http://schemas.openxmlformats.org/drawingml/2006/main" xmlns:r="http://schemas.openxmlformats.org/officeDocument/2006/relationships" xmlns:mc="http://schemas.openxmlformats.org/markup-compatibility/2006" xmlns:mv="urn:schemas-microsoft-com:mac:vml" xmlns:p="http://schemas.openxmlformats.org/presentationml/2006/main" xmlns:c="http://schemas.openxmlformats.org/drawingml/2006/chart" xmlns:dgm="http://schemas.openxmlformats.org/drawingml/2006/diagram" xmlns:o="urn:schemas-microsoft-com:office:office" xmlns:v="urn:schemas-microsoft-com:vml" xmlns:pvml="urn:schemas-microsoft-com:office:powerpoint" xmlns:com="http://schemas.openxmlformats.org/drawingml/2006/compatibility" xmlns:p14="http://schemas.microsoft.com/office/powerpoint/2010/main" xmlns:p15="http://schemas.microsoft.com/office/powerpoint/2012/main" xmlns:ahyp="http://schemas.microsoft.com/office/drawing/2018/hyperlinkcolor" showMasterPhAnim="0" showMasterSp="0">
-  <p:cSld>
-    <p:spTree>
-      <p:nvGrpSpPr>
-        <p:cNvPr id="157" name="Shape 157"/>
-        <p:cNvGrpSpPr/>
-        <p:nvPr/>
-      </p:nvGrpSpPr>
-      <p:grpSpPr>
-        <a:xfrm>
-          <a:off x="0" y="0"/>
-          <a:ext cx="0" cy="0"/>
-          <a:chOff x="0" y="0"/>
-          <a:chExt cx="0" cy="0"/>
-        </a:xfrm>
-      </p:grpSpPr>
-      <p:sp>
-        <p:nvSpPr>
-          <p:cNvPr id="158" name="Google Shape;158;g1afdc4020a2_0_36:notes"/>
-          <p:cNvSpPr/>
-          <p:nvPr>
-            <p:ph idx="2" type="sldImg"/>
-          </p:nvPr>
-        </p:nvSpPr>
-        <p:spPr>
-          <a:xfrm>
-            <a:off x="381300" y="685800"/>
-            <a:ext cx="6096000" cy="3429000"/>
-          </a:xfrm>
-          <a:custGeom>
-            <a:rect b="b" l="l" r="r" t="t"/>
-            <a:pathLst>
-              <a:path extrusionOk="0" h="120000" w="120000">
-                <a:moveTo>
-                  <a:pt x="0" y="0"/>
-                </a:moveTo>
-                <a:lnTo>
-                  <a:pt x="120000" y="0"/>
-                </a:lnTo>
-                <a:lnTo>
-                  <a:pt x="120000" y="120000"/>
-                </a:lnTo>
-                <a:lnTo>
-                  <a:pt x="0" y="120000"/>
-                </a:lnTo>
-                <a:close/>
-              </a:path>
-            </a:pathLst>
-          </a:custGeom>
-        </p:spPr>
-      </p:sp>
-      <p:sp>
-        <p:nvSpPr>
-          <p:cNvPr id="159" name="Google Shape;159;g1afdc4020a2_0_36:notes"/>
-          <p:cNvSpPr txBox="1"/>
-          <p:nvPr>
-            <p:ph idx="1" type="body"/>
-          </p:nvPr>
-        </p:nvSpPr>
-        <p:spPr>
-          <a:xfrm>
-            <a:off x="685800" y="4343400"/>
-            <a:ext cx="5486400" cy="4114800"/>
-          </a:xfrm>
-          <a:prstGeom prst="rect">
-            <a:avLst/>
-          </a:prstGeom>
-        </p:spPr>
-        <p:txBody>
-          <a:bodyPr anchorCtr="0" anchor="t" bIns="91425" lIns="91425" spcFirstLastPara="1" rIns="91425" wrap="square" tIns="91425">
-            <a:noAutofit/>
-          </a:bodyPr>
-          <a:lstStyle/>
-          <a:p>
-            <a:pPr indent="0" lvl="0" marL="0" rtl="0" algn="l">
-              <a:spcBef>
-                <a:spcPts val="0"/>
-              </a:spcBef>
-              <a:spcAft>
-                <a:spcPts val="0"/>
-              </a:spcAft>
-              <a:buNone/>
-            </a:pPr>
-            <a:r>
-              <a:t/>
-            </a:r>
-            <a:endParaRPr/>
-          </a:p>
-        </p:txBody>
-      </p:sp>
-    </p:spTree>
-  </p:cSld>
-  <p:clrMapOvr>
-    <a:masterClrMapping/>
-  </p:clrMapOvr>
-</p:notes>
-</file>
-
-<file path=ppt/notesSlides/notesSlide12.xml><?xml version="1.0" encoding="utf-8"?>
-<p:notes xmlns:a="http://schemas.openxmlformats.org/drawingml/2006/main" xmlns:r="http://schemas.openxmlformats.org/officeDocument/2006/relationships" xmlns:mc="http://schemas.openxmlformats.org/markup-compatibility/2006" xmlns:mv="urn:schemas-microsoft-com:mac:vml" xmlns:p="http://schemas.openxmlformats.org/presentationml/2006/main" xmlns:c="http://schemas.openxmlformats.org/drawingml/2006/chart" xmlns:dgm="http://schemas.openxmlformats.org/drawingml/2006/diagram" xmlns:o="urn:schemas-microsoft-com:office:office" xmlns:v="urn:schemas-microsoft-com:vml" xmlns:pvml="urn:schemas-microsoft-com:office:powerpoint" xmlns:com="http://schemas.openxmlformats.org/drawingml/2006/compatibility" xmlns:p14="http://schemas.microsoft.com/office/powerpoint/2010/main" xmlns:p15="http://schemas.microsoft.com/office/powerpoint/2012/main" xmlns:ahyp="http://schemas.microsoft.com/office/drawing/2018/hyperlinkcolor" showMasterPhAnim="0" showMasterSp="0">
-  <p:cSld>
-    <p:spTree>
-      <p:nvGrpSpPr>
-        <p:cNvPr id="168" name="Shape 168"/>
-        <p:cNvGrpSpPr/>
-        <p:nvPr/>
-      </p:nvGrpSpPr>
-      <p:grpSpPr>
-        <a:xfrm>
-          <a:off x="0" y="0"/>
-          <a:ext cx="0" cy="0"/>
-          <a:chOff x="0" y="0"/>
-          <a:chExt cx="0" cy="0"/>
-        </a:xfrm>
-      </p:grpSpPr>
-      <p:sp>
-        <p:nvSpPr>
-          <p:cNvPr id="169" name="Google Shape;169;g1b002973b70_0_6:notes"/>
-          <p:cNvSpPr/>
-          <p:nvPr>
-            <p:ph idx="2" type="sldImg"/>
-          </p:nvPr>
-        </p:nvSpPr>
-        <p:spPr>
-          <a:xfrm>
-            <a:off x="381300" y="685800"/>
-            <a:ext cx="6096000" cy="3429000"/>
-          </a:xfrm>
-          <a:custGeom>
-            <a:rect b="b" l="l" r="r" t="t"/>
-            <a:pathLst>
-              <a:path extrusionOk="0" h="120000" w="120000">
-                <a:moveTo>
-                  <a:pt x="0" y="0"/>
-                </a:moveTo>
-                <a:lnTo>
-                  <a:pt x="120000" y="0"/>
-                </a:lnTo>
-                <a:lnTo>
-                  <a:pt x="120000" y="120000"/>
-                </a:lnTo>
-                <a:lnTo>
-                  <a:pt x="0" y="120000"/>
-                </a:lnTo>
-                <a:close/>
-              </a:path>
-            </a:pathLst>
-          </a:custGeom>
-        </p:spPr>
-      </p:sp>
-      <p:sp>
-        <p:nvSpPr>
-          <p:cNvPr id="170" name="Google Shape;170;g1b002973b70_0_6:notes"/>
+          <p:cNvPr id="157" name="Google Shape;157;g1b002973b70_0_6:notes"/>
           <p:cNvSpPr txBox="1"/>
           <p:nvPr>
             <p:ph idx="1" type="body"/>
@@ -1432,7 +1232,7 @@
       </p:grpSpPr>
       <p:sp>
         <p:nvSpPr>
-          <p:cNvPr id="98" name="Google Shape;98;g1bbfab4ca6b_0_576:notes"/>
+          <p:cNvPr id="98" name="Google Shape;98;g1bbfab4ca6b_0_590:notes"/>
           <p:cNvSpPr/>
           <p:nvPr>
             <p:ph idx="2" type="sldImg"/>
@@ -1467,7 +1267,7 @@
       </p:sp>
       <p:sp>
         <p:nvSpPr>
-          <p:cNvPr id="99" name="Google Shape;99;g1bbfab4ca6b_0_576:notes"/>
+          <p:cNvPr id="99" name="Google Shape;99;g1bbfab4ca6b_0_590:notes"/>
           <p:cNvSpPr txBox="1"/>
           <p:nvPr>
             <p:ph idx="1" type="body"/>
@@ -1517,7 +1317,7 @@
   <p:cSld>
     <p:spTree>
       <p:nvGrpSpPr>
-        <p:cNvPr id="105" name="Shape 105"/>
+        <p:cNvPr id="108" name="Shape 108"/>
         <p:cNvGrpSpPr/>
         <p:nvPr/>
       </p:nvGrpSpPr>
@@ -1531,7 +1331,7 @@
       </p:grpSpPr>
       <p:sp>
         <p:nvSpPr>
-          <p:cNvPr id="106" name="Google Shape;106;g1bbfab4ca6b_0_526:notes"/>
+          <p:cNvPr id="109" name="Google Shape;109;g1bbfab4ca6b_0_541:notes"/>
           <p:cNvSpPr/>
           <p:nvPr>
             <p:ph idx="2" type="sldImg"/>
@@ -1566,7 +1366,7 @@
       </p:sp>
       <p:sp>
         <p:nvSpPr>
-          <p:cNvPr id="107" name="Google Shape;107;g1bbfab4ca6b_0_526:notes"/>
+          <p:cNvPr id="110" name="Google Shape;110;g1bbfab4ca6b_0_541:notes"/>
           <p:cNvSpPr txBox="1"/>
           <p:nvPr>
             <p:ph idx="1" type="body"/>
@@ -1616,7 +1416,7 @@
   <p:cSld>
     <p:spTree>
       <p:nvGrpSpPr>
-        <p:cNvPr id="113" name="Shape 113"/>
+        <p:cNvPr id="116" name="Shape 116"/>
         <p:cNvGrpSpPr/>
         <p:nvPr/>
       </p:nvGrpSpPr>
@@ -1630,7 +1430,7 @@
       </p:grpSpPr>
       <p:sp>
         <p:nvSpPr>
-          <p:cNvPr id="114" name="Google Shape;114;g1bbfab4ca6b_0_590:notes"/>
+          <p:cNvPr id="117" name="Google Shape;117;g1bbfab4ca6b_0_531:notes"/>
           <p:cNvSpPr/>
           <p:nvPr>
             <p:ph idx="2" type="sldImg"/>
@@ -1665,7 +1465,7 @@
       </p:sp>
       <p:sp>
         <p:nvSpPr>
-          <p:cNvPr id="115" name="Google Shape;115;g1bbfab4ca6b_0_590:notes"/>
+          <p:cNvPr id="118" name="Google Shape;118;g1bbfab4ca6b_0_531:notes"/>
           <p:cNvSpPr txBox="1"/>
           <p:nvPr>
             <p:ph idx="1" type="body"/>
@@ -1715,7 +1515,7 @@
   <p:cSld>
     <p:spTree>
       <p:nvGrpSpPr>
-        <p:cNvPr id="121" name="Shape 121"/>
+        <p:cNvPr id="136" name="Shape 136"/>
         <p:cNvGrpSpPr/>
         <p:nvPr/>
       </p:nvGrpSpPr>
@@ -1729,7 +1529,7 @@
       </p:grpSpPr>
       <p:sp>
         <p:nvSpPr>
-          <p:cNvPr id="122" name="Google Shape;122;g1bbfab4ca6b_0_541:notes"/>
+          <p:cNvPr id="137" name="Google Shape;137;g1afdc4020a2_0_18:notes"/>
           <p:cNvSpPr/>
           <p:nvPr>
             <p:ph idx="2" type="sldImg"/>
@@ -1764,7 +1564,7 @@
       </p:sp>
       <p:sp>
         <p:nvSpPr>
-          <p:cNvPr id="123" name="Google Shape;123;g1bbfab4ca6b_0_541:notes"/>
+          <p:cNvPr id="138" name="Google Shape;138;g1afdc4020a2_0_18:notes"/>
           <p:cNvSpPr txBox="1"/>
           <p:nvPr>
             <p:ph idx="1" type="body"/>
@@ -1814,7 +1614,7 @@
   <p:cSld>
     <p:spTree>
       <p:nvGrpSpPr>
-        <p:cNvPr id="129" name="Shape 129"/>
+        <p:cNvPr id="144" name="Shape 144"/>
         <p:cNvGrpSpPr/>
         <p:nvPr/>
       </p:nvGrpSpPr>
@@ -1828,7 +1628,7 @@
       </p:grpSpPr>
       <p:sp>
         <p:nvSpPr>
-          <p:cNvPr id="130" name="Google Shape;130;g1bbfab4ca6b_0_531:notes"/>
+          <p:cNvPr id="145" name="Google Shape;145;g1afdc4020a2_0_36:notes"/>
           <p:cNvSpPr/>
           <p:nvPr>
             <p:ph idx="2" type="sldImg"/>
@@ -1863,7 +1663,7 @@
       </p:sp>
       <p:sp>
         <p:nvSpPr>
-          <p:cNvPr id="131" name="Google Shape;131;g1bbfab4ca6b_0_531:notes"/>
+          <p:cNvPr id="146" name="Google Shape;146;g1afdc4020a2_0_36:notes"/>
           <p:cNvSpPr txBox="1"/>
           <p:nvPr>
             <p:ph idx="1" type="body"/>
@@ -7476,7 +7276,7 @@
   <p:cSld>
     <p:spTree>
       <p:nvGrpSpPr>
-        <p:cNvPr id="152" name="Shape 152"/>
+        <p:cNvPr id="158" name="Shape 158"/>
         <p:cNvGrpSpPr/>
         <p:nvPr/>
       </p:nvGrpSpPr>
@@ -7490,7 +7290,7 @@
       </p:grpSpPr>
       <p:sp>
         <p:nvSpPr>
-          <p:cNvPr id="153" name="Google Shape;153;p22"/>
+          <p:cNvPr id="159" name="Google Shape;159;p22"/>
           <p:cNvSpPr txBox="1"/>
           <p:nvPr>
             <p:ph type="title"/>
@@ -7522,524 +7322,6 @@
             </a:pPr>
             <a:r>
               <a:rPr lang="en"/>
-              <a:t>Bayesian Approach</a:t>
-            </a:r>
-            <a:endParaRPr/>
-          </a:p>
-        </p:txBody>
-      </p:sp>
-      <p:pic>
-        <p:nvPicPr>
-          <p:cNvPr id="154" name="Google Shape;154;p22"/>
-          <p:cNvPicPr preferRelativeResize="0"/>
-          <p:nvPr/>
-        </p:nvPicPr>
-        <p:blipFill>
-          <a:blip r:embed="rId3">
-            <a:alphaModFix/>
-          </a:blip>
-          <a:stretch>
-            <a:fillRect/>
-          </a:stretch>
-        </p:blipFill>
-        <p:spPr>
-          <a:xfrm>
-            <a:off x="140774" y="2259474"/>
-            <a:ext cx="4467351" cy="2717149"/>
-          </a:xfrm>
-          <a:prstGeom prst="rect">
-            <a:avLst/>
-          </a:prstGeom>
-          <a:noFill/>
-          <a:ln>
-            <a:noFill/>
-          </a:ln>
-          <a:effectLst>
-            <a:outerShdw blurRad="57150" rotWithShape="0" algn="bl" dir="5400000" dist="19050">
-              <a:srgbClr val="000000">
-                <a:alpha val="50000"/>
-              </a:srgbClr>
-            </a:outerShdw>
-          </a:effectLst>
-        </p:spPr>
-      </p:pic>
-      <p:pic>
-        <p:nvPicPr>
-          <p:cNvPr id="155" name="Google Shape;155;p22"/>
-          <p:cNvPicPr preferRelativeResize="0"/>
-          <p:nvPr/>
-        </p:nvPicPr>
-        <p:blipFill>
-          <a:blip r:embed="rId4">
-            <a:alphaModFix/>
-          </a:blip>
-          <a:stretch>
-            <a:fillRect/>
-          </a:stretch>
-        </p:blipFill>
-        <p:spPr>
-          <a:xfrm>
-            <a:off x="4608125" y="2259475"/>
-            <a:ext cx="4467350" cy="2720690"/>
-          </a:xfrm>
-          <a:prstGeom prst="rect">
-            <a:avLst/>
-          </a:prstGeom>
-          <a:noFill/>
-          <a:ln>
-            <a:noFill/>
-          </a:ln>
-          <a:effectLst>
-            <a:outerShdw blurRad="57150" rotWithShape="0" algn="bl" dir="5400000" dist="19050">
-              <a:srgbClr val="000000">
-                <a:alpha val="50000"/>
-              </a:srgbClr>
-            </a:outerShdw>
-          </a:effectLst>
-        </p:spPr>
-      </p:pic>
-      <p:sp>
-        <p:nvSpPr>
-          <p:cNvPr id="156" name="Google Shape;156;p22"/>
-          <p:cNvSpPr txBox="1"/>
-          <p:nvPr>
-            <p:ph idx="1" type="body"/>
-          </p:nvPr>
-        </p:nvSpPr>
-        <p:spPr>
-          <a:xfrm>
-            <a:off x="311700" y="1017725"/>
-            <a:ext cx="8520600" cy="3551100"/>
-          </a:xfrm>
-          <a:prstGeom prst="rect">
-            <a:avLst/>
-          </a:prstGeom>
-        </p:spPr>
-        <p:txBody>
-          <a:bodyPr anchorCtr="0" anchor="t" bIns="91425" lIns="91425" spcFirstLastPara="1" rIns="91425" wrap="square" tIns="91425">
-            <a:normAutofit/>
-          </a:bodyPr>
-          <a:lstStyle/>
-          <a:p>
-            <a:pPr indent="0" lvl="0" marL="0" rtl="0" algn="l">
-              <a:spcBef>
-                <a:spcPts val="0"/>
-              </a:spcBef>
-              <a:spcAft>
-                <a:spcPts val="0"/>
-              </a:spcAft>
-              <a:buNone/>
-            </a:pPr>
-            <a:r>
-              <a:rPr lang="en" sz="1600">
-                <a:solidFill>
-                  <a:schemeClr val="dk1"/>
-                </a:solidFill>
-              </a:rPr>
-              <a:t>Specify the prior and distribution of response y (which defines likelihood)</a:t>
-            </a:r>
-            <a:endParaRPr sz="1600">
-              <a:solidFill>
-                <a:schemeClr val="dk1"/>
-              </a:solidFill>
-            </a:endParaRPr>
-          </a:p>
-          <a:p>
-            <a:pPr indent="0" lvl="0" marL="0" rtl="0" algn="l">
-              <a:spcBef>
-                <a:spcPts val="1200"/>
-              </a:spcBef>
-              <a:spcAft>
-                <a:spcPts val="1200"/>
-              </a:spcAft>
-              <a:buNone/>
-            </a:pPr>
-            <a:r>
-              <a:rPr lang="en" sz="1600">
-                <a:solidFill>
-                  <a:schemeClr val="dk1"/>
-                </a:solidFill>
-              </a:rPr>
-              <a:t>MCMC only depends on the prior distribution and the likelihood</a:t>
-            </a:r>
-            <a:r>
-              <a:rPr lang="en" sz="1600">
-                <a:solidFill>
-                  <a:schemeClr val="dk1"/>
-                </a:solidFill>
-              </a:rPr>
-              <a:t> to generate samples from posterior distribution</a:t>
-            </a:r>
-            <a:endParaRPr sz="1600">
-              <a:solidFill>
-                <a:schemeClr val="dk1"/>
-              </a:solidFill>
-            </a:endParaRPr>
-          </a:p>
-        </p:txBody>
-      </p:sp>
-    </p:spTree>
-  </p:cSld>
-  <p:clrMapOvr>
-    <a:masterClrMapping/>
-  </p:clrMapOvr>
-</p:sld>
-</file>
-
-<file path=ppt/slides/slide11.xml><?xml version="1.0" encoding="utf-8"?>
-<p:sld xmlns:a="http://schemas.openxmlformats.org/drawingml/2006/main" xmlns:r="http://schemas.openxmlformats.org/officeDocument/2006/relationships" xmlns:mc="http://schemas.openxmlformats.org/markup-compatibility/2006" xmlns:mv="urn:schemas-microsoft-com:mac:vml" xmlns:p="http://schemas.openxmlformats.org/presentationml/2006/main" xmlns:c="http://schemas.openxmlformats.org/drawingml/2006/chart" xmlns:dgm="http://schemas.openxmlformats.org/drawingml/2006/diagram" xmlns:o="urn:schemas-microsoft-com:office:office" xmlns:v="urn:schemas-microsoft-com:vml" xmlns:pvml="urn:schemas-microsoft-com:office:powerpoint" xmlns:com="http://schemas.openxmlformats.org/drawingml/2006/compatibility" xmlns:p14="http://schemas.microsoft.com/office/powerpoint/2010/main" xmlns:p15="http://schemas.microsoft.com/office/powerpoint/2012/main" xmlns:ahyp="http://schemas.microsoft.com/office/drawing/2018/hyperlinkcolor">
-  <p:cSld>
-    <p:spTree>
-      <p:nvGrpSpPr>
-        <p:cNvPr id="160" name="Shape 160"/>
-        <p:cNvGrpSpPr/>
-        <p:nvPr/>
-      </p:nvGrpSpPr>
-      <p:grpSpPr>
-        <a:xfrm>
-          <a:off x="0" y="0"/>
-          <a:ext cx="0" cy="0"/>
-          <a:chOff x="0" y="0"/>
-          <a:chExt cx="0" cy="0"/>
-        </a:xfrm>
-      </p:grpSpPr>
-      <p:sp>
-        <p:nvSpPr>
-          <p:cNvPr id="161" name="Google Shape;161;p23"/>
-          <p:cNvSpPr txBox="1"/>
-          <p:nvPr>
-            <p:ph type="title"/>
-          </p:nvPr>
-        </p:nvSpPr>
-        <p:spPr>
-          <a:xfrm>
-            <a:off x="311700" y="445025"/>
-            <a:ext cx="8520600" cy="572700"/>
-          </a:xfrm>
-          <a:prstGeom prst="rect">
-            <a:avLst/>
-          </a:prstGeom>
-        </p:spPr>
-        <p:txBody>
-          <a:bodyPr anchorCtr="0" anchor="t" bIns="91425" lIns="91425" spcFirstLastPara="1" rIns="91425" wrap="square" tIns="91425">
-            <a:normAutofit fontScale="90000"/>
-          </a:bodyPr>
-          <a:lstStyle/>
-          <a:p>
-            <a:pPr indent="0" lvl="0" marL="0" rtl="0" algn="l">
-              <a:spcBef>
-                <a:spcPts val="0"/>
-              </a:spcBef>
-              <a:spcAft>
-                <a:spcPts val="0"/>
-              </a:spcAft>
-              <a:buNone/>
-            </a:pPr>
-            <a:r>
-              <a:rPr lang="en"/>
-              <a:t>Comparison of Results</a:t>
-            </a:r>
-            <a:endParaRPr/>
-          </a:p>
-        </p:txBody>
-      </p:sp>
-      <p:sp>
-        <p:nvSpPr>
-          <p:cNvPr id="162" name="Google Shape;162;p23"/>
-          <p:cNvSpPr txBox="1"/>
-          <p:nvPr>
-            <p:ph idx="1" type="body"/>
-          </p:nvPr>
-        </p:nvSpPr>
-        <p:spPr>
-          <a:xfrm>
-            <a:off x="469850" y="1160000"/>
-            <a:ext cx="8520600" cy="3416400"/>
-          </a:xfrm>
-          <a:prstGeom prst="rect">
-            <a:avLst/>
-          </a:prstGeom>
-        </p:spPr>
-        <p:txBody>
-          <a:bodyPr anchorCtr="0" anchor="t" bIns="91425" lIns="91425" spcFirstLastPara="1" rIns="91425" wrap="square" tIns="91425">
-            <a:normAutofit/>
-          </a:bodyPr>
-          <a:lstStyle/>
-          <a:p>
-            <a:pPr indent="0" lvl="0" marL="0" rtl="0" algn="l">
-              <a:spcBef>
-                <a:spcPts val="0"/>
-              </a:spcBef>
-              <a:spcAft>
-                <a:spcPts val="1200"/>
-              </a:spcAft>
-              <a:buNone/>
-            </a:pPr>
-            <a:r>
-              <a:rPr lang="en"/>
-              <a:t>Regular Logistic Regression				Bayesian Logistic Regression</a:t>
-            </a:r>
-            <a:endParaRPr/>
-          </a:p>
-        </p:txBody>
-      </p:sp>
-      <p:pic>
-        <p:nvPicPr>
-          <p:cNvPr id="163" name="Google Shape;163;p23"/>
-          <p:cNvPicPr preferRelativeResize="0"/>
-          <p:nvPr/>
-        </p:nvPicPr>
-        <p:blipFill>
-          <a:blip r:embed="rId3">
-            <a:alphaModFix/>
-          </a:blip>
-          <a:stretch>
-            <a:fillRect/>
-          </a:stretch>
-        </p:blipFill>
-        <p:spPr>
-          <a:xfrm>
-            <a:off x="5274475" y="1940199"/>
-            <a:ext cx="3416025" cy="1741675"/>
-          </a:xfrm>
-          <a:prstGeom prst="rect">
-            <a:avLst/>
-          </a:prstGeom>
-          <a:noFill/>
-          <a:ln>
-            <a:noFill/>
-          </a:ln>
-        </p:spPr>
-      </p:pic>
-      <p:pic>
-        <p:nvPicPr>
-          <p:cNvPr id="164" name="Google Shape;164;p23"/>
-          <p:cNvPicPr preferRelativeResize="0"/>
-          <p:nvPr/>
-        </p:nvPicPr>
-        <p:blipFill>
-          <a:blip r:embed="rId4">
-            <a:alphaModFix/>
-          </a:blip>
-          <a:stretch>
-            <a:fillRect/>
-          </a:stretch>
-        </p:blipFill>
-        <p:spPr>
-          <a:xfrm>
-            <a:off x="311708" y="1932674"/>
-            <a:ext cx="4502867" cy="1741675"/>
-          </a:xfrm>
-          <a:prstGeom prst="rect">
-            <a:avLst/>
-          </a:prstGeom>
-          <a:noFill/>
-          <a:ln>
-            <a:noFill/>
-          </a:ln>
-        </p:spPr>
-      </p:pic>
-      <p:cxnSp>
-        <p:nvCxnSpPr>
-          <p:cNvPr id="165" name="Google Shape;165;p23"/>
-          <p:cNvCxnSpPr/>
-          <p:nvPr/>
-        </p:nvCxnSpPr>
-        <p:spPr>
-          <a:xfrm>
-            <a:off x="5000425" y="1160000"/>
-            <a:ext cx="15000" cy="2982300"/>
-          </a:xfrm>
-          <a:prstGeom prst="straightConnector1">
-            <a:avLst/>
-          </a:prstGeom>
-          <a:noFill/>
-          <a:ln cap="flat" cmpd="sng" w="9525">
-            <a:solidFill>
-              <a:schemeClr val="dk2"/>
-            </a:solidFill>
-            <a:prstDash val="solid"/>
-            <a:round/>
-            <a:headEnd len="med" w="med" type="none"/>
-            <a:tailEnd len="med" w="med" type="none"/>
-          </a:ln>
-        </p:spPr>
-      </p:cxnSp>
-      <p:sp>
-        <p:nvSpPr>
-          <p:cNvPr id="166" name="Google Shape;166;p23"/>
-          <p:cNvSpPr txBox="1"/>
-          <p:nvPr/>
-        </p:nvSpPr>
-        <p:spPr>
-          <a:xfrm>
-            <a:off x="230550" y="3908475"/>
-            <a:ext cx="8682900" cy="615600"/>
-          </a:xfrm>
-          <a:prstGeom prst="rect">
-            <a:avLst/>
-          </a:prstGeom>
-          <a:noFill/>
-          <a:ln>
-            <a:noFill/>
-          </a:ln>
-        </p:spPr>
-        <p:txBody>
-          <a:bodyPr anchorCtr="0" anchor="t" bIns="91425" lIns="91425" spcFirstLastPara="1" rIns="91425" wrap="square" tIns="91425">
-            <a:spAutoFit/>
-          </a:bodyPr>
-          <a:lstStyle/>
-          <a:p>
-            <a:pPr indent="0" lvl="0" marL="0" rtl="0" algn="l">
-              <a:spcBef>
-                <a:spcPts val="0"/>
-              </a:spcBef>
-              <a:spcAft>
-                <a:spcPts val="0"/>
-              </a:spcAft>
-              <a:buNone/>
-            </a:pPr>
-            <a:r>
-              <a:rPr lang="en"/>
-              <a:t>Train Accuracy: 90%								</a:t>
-            </a:r>
-            <a:r>
-              <a:rPr lang="en">
-                <a:solidFill>
-                  <a:schemeClr val="dk1"/>
-                </a:solidFill>
-              </a:rPr>
-              <a:t>Train Accuracy: 90%	</a:t>
-            </a:r>
-            <a:endParaRPr/>
-          </a:p>
-          <a:p>
-            <a:pPr indent="0" lvl="0" marL="0" rtl="0" algn="l">
-              <a:spcBef>
-                <a:spcPts val="0"/>
-              </a:spcBef>
-              <a:spcAft>
-                <a:spcPts val="0"/>
-              </a:spcAft>
-              <a:buNone/>
-            </a:pPr>
-            <a:r>
-              <a:rPr lang="en"/>
-              <a:t>Test Accuracy: 80%								</a:t>
-            </a:r>
-            <a:r>
-              <a:rPr lang="en">
-                <a:solidFill>
-                  <a:schemeClr val="dk1"/>
-                </a:solidFill>
-              </a:rPr>
-              <a:t>Test Accuracy: 80%</a:t>
-            </a:r>
-            <a:endParaRPr/>
-          </a:p>
-        </p:txBody>
-      </p:sp>
-      <p:sp>
-        <p:nvSpPr>
-          <p:cNvPr id="167" name="Google Shape;167;p23"/>
-          <p:cNvSpPr txBox="1"/>
-          <p:nvPr/>
-        </p:nvSpPr>
-        <p:spPr>
-          <a:xfrm>
-            <a:off x="642450" y="4451950"/>
-            <a:ext cx="7859100" cy="615600"/>
-          </a:xfrm>
-          <a:prstGeom prst="rect">
-            <a:avLst/>
-          </a:prstGeom>
-          <a:noFill/>
-          <a:ln>
-            <a:noFill/>
-          </a:ln>
-        </p:spPr>
-        <p:txBody>
-          <a:bodyPr anchorCtr="0" anchor="t" bIns="91425" lIns="91425" spcFirstLastPara="1" rIns="91425" wrap="square" tIns="91425">
-            <a:spAutoFit/>
-          </a:bodyPr>
-          <a:lstStyle/>
-          <a:p>
-            <a:pPr indent="0" lvl="0" marL="0" rtl="0" algn="l">
-              <a:spcBef>
-                <a:spcPts val="0"/>
-              </a:spcBef>
-              <a:spcAft>
-                <a:spcPts val="0"/>
-              </a:spcAft>
-              <a:buNone/>
-            </a:pPr>
-            <a:r>
-              <a:rPr lang="en"/>
-              <a:t>While both models have slightly different coefficients and predicted probabilities, when using a probability threshold of 0.6 for making predictions, both models have identical results.</a:t>
-            </a:r>
-            <a:endParaRPr/>
-          </a:p>
-        </p:txBody>
-      </p:sp>
-    </p:spTree>
-  </p:cSld>
-  <p:clrMapOvr>
-    <a:masterClrMapping/>
-  </p:clrMapOvr>
-</p:sld>
-</file>
-
-<file path=ppt/slides/slide12.xml><?xml version="1.0" encoding="utf-8"?>
-<p:sld xmlns:a="http://schemas.openxmlformats.org/drawingml/2006/main" xmlns:r="http://schemas.openxmlformats.org/officeDocument/2006/relationships" xmlns:mc="http://schemas.openxmlformats.org/markup-compatibility/2006" xmlns:mv="urn:schemas-microsoft-com:mac:vml" xmlns:p="http://schemas.openxmlformats.org/presentationml/2006/main" xmlns:c="http://schemas.openxmlformats.org/drawingml/2006/chart" xmlns:dgm="http://schemas.openxmlformats.org/drawingml/2006/diagram" xmlns:o="urn:schemas-microsoft-com:office:office" xmlns:v="urn:schemas-microsoft-com:vml" xmlns:pvml="urn:schemas-microsoft-com:office:powerpoint" xmlns:com="http://schemas.openxmlformats.org/drawingml/2006/compatibility" xmlns:p14="http://schemas.microsoft.com/office/powerpoint/2010/main" xmlns:p15="http://schemas.microsoft.com/office/powerpoint/2012/main" xmlns:ahyp="http://schemas.microsoft.com/office/drawing/2018/hyperlinkcolor">
-  <p:cSld>
-    <p:spTree>
-      <p:nvGrpSpPr>
-        <p:cNvPr id="171" name="Shape 171"/>
-        <p:cNvGrpSpPr/>
-        <p:nvPr/>
-      </p:nvGrpSpPr>
-      <p:grpSpPr>
-        <a:xfrm>
-          <a:off x="0" y="0"/>
-          <a:ext cx="0" cy="0"/>
-          <a:chOff x="0" y="0"/>
-          <a:chExt cx="0" cy="0"/>
-        </a:xfrm>
-      </p:grpSpPr>
-      <p:sp>
-        <p:nvSpPr>
-          <p:cNvPr id="172" name="Google Shape;172;p24"/>
-          <p:cNvSpPr txBox="1"/>
-          <p:nvPr>
-            <p:ph type="title"/>
-          </p:nvPr>
-        </p:nvSpPr>
-        <p:spPr>
-          <a:xfrm>
-            <a:off x="311700" y="445025"/>
-            <a:ext cx="8520600" cy="572700"/>
-          </a:xfrm>
-          <a:prstGeom prst="rect">
-            <a:avLst/>
-          </a:prstGeom>
-        </p:spPr>
-        <p:txBody>
-          <a:bodyPr anchorCtr="0" anchor="t" bIns="91425" lIns="91425" spcFirstLastPara="1" rIns="91425" wrap="square" tIns="91425">
-            <a:normAutofit fontScale="90000"/>
-          </a:bodyPr>
-          <a:lstStyle/>
-          <a:p>
-            <a:pPr indent="0" lvl="0" marL="0" rtl="0" algn="l">
-              <a:spcBef>
-                <a:spcPts val="0"/>
-              </a:spcBef>
-              <a:spcAft>
-                <a:spcPts val="0"/>
-              </a:spcAft>
-              <a:buNone/>
-            </a:pPr>
-            <a:r>
-              <a:rPr lang="en"/>
               <a:t>Conclusion</a:t>
             </a:r>
             <a:endParaRPr/>
@@ -8048,7 +7330,7 @@
       </p:sp>
       <p:sp>
         <p:nvSpPr>
-          <p:cNvPr id="173" name="Google Shape;173;p24"/>
+          <p:cNvPr id="160" name="Google Shape;160;p22"/>
           <p:cNvSpPr txBox="1"/>
           <p:nvPr>
             <p:ph idx="1" type="body"/>
@@ -9661,7 +8943,7 @@
             </a:pPr>
             <a:r>
               <a:rPr b="1" lang="en"/>
-              <a:t>Brute Force model with all predictors</a:t>
+              <a:t>Variable Selection via AIC</a:t>
             </a:r>
             <a:endParaRPr b="1"/>
           </a:p>
@@ -9670,374 +8952,6 @@
       <p:pic>
         <p:nvPicPr>
           <p:cNvPr id="103" name="Google Shape;103;p17"/>
-          <p:cNvPicPr preferRelativeResize="0"/>
-          <p:nvPr/>
-        </p:nvPicPr>
-        <p:blipFill>
-          <a:blip r:embed="rId3">
-            <a:alphaModFix/>
-          </a:blip>
-          <a:stretch>
-            <a:fillRect/>
-          </a:stretch>
-        </p:blipFill>
-        <p:spPr>
-          <a:xfrm>
-            <a:off x="462300" y="1705876"/>
-            <a:ext cx="3759508" cy="3052800"/>
-          </a:xfrm>
-          <a:prstGeom prst="rect">
-            <a:avLst/>
-          </a:prstGeom>
-          <a:noFill/>
-          <a:ln>
-            <a:noFill/>
-          </a:ln>
-          <a:effectLst>
-            <a:outerShdw blurRad="57150" rotWithShape="0" algn="bl" dir="5400000" dist="19050">
-              <a:srgbClr val="000000">
-                <a:alpha val="50000"/>
-              </a:srgbClr>
-            </a:outerShdw>
-          </a:effectLst>
-        </p:spPr>
-      </p:pic>
-      <p:pic>
-        <p:nvPicPr>
-          <p:cNvPr id="104" name="Google Shape;104;p17"/>
-          <p:cNvPicPr preferRelativeResize="0"/>
-          <p:nvPr/>
-        </p:nvPicPr>
-        <p:blipFill>
-          <a:blip r:embed="rId4">
-            <a:alphaModFix/>
-          </a:blip>
-          <a:stretch>
-            <a:fillRect/>
-          </a:stretch>
-        </p:blipFill>
-        <p:spPr>
-          <a:xfrm>
-            <a:off x="4572000" y="1705875"/>
-            <a:ext cx="3905580" cy="3052800"/>
-          </a:xfrm>
-          <a:prstGeom prst="rect">
-            <a:avLst/>
-          </a:prstGeom>
-          <a:noFill/>
-          <a:ln>
-            <a:noFill/>
-          </a:ln>
-          <a:effectLst>
-            <a:outerShdw blurRad="57150" rotWithShape="0" algn="bl" dir="5400000" dist="19050">
-              <a:srgbClr val="000000">
-                <a:alpha val="50000"/>
-              </a:srgbClr>
-            </a:outerShdw>
-          </a:effectLst>
-        </p:spPr>
-      </p:pic>
-    </p:spTree>
-  </p:cSld>
-  <p:clrMapOvr>
-    <a:masterClrMapping/>
-  </p:clrMapOvr>
-</p:sld>
-</file>
-
-<file path=ppt/slides/slide6.xml><?xml version="1.0" encoding="utf-8"?>
-<p:sld xmlns:a="http://schemas.openxmlformats.org/drawingml/2006/main" xmlns:r="http://schemas.openxmlformats.org/officeDocument/2006/relationships" xmlns:mc="http://schemas.openxmlformats.org/markup-compatibility/2006" xmlns:mv="urn:schemas-microsoft-com:mac:vml" xmlns:p="http://schemas.openxmlformats.org/presentationml/2006/main" xmlns:c="http://schemas.openxmlformats.org/drawingml/2006/chart" xmlns:dgm="http://schemas.openxmlformats.org/drawingml/2006/diagram" xmlns:o="urn:schemas-microsoft-com:office:office" xmlns:v="urn:schemas-microsoft-com:vml" xmlns:pvml="urn:schemas-microsoft-com:office:powerpoint" xmlns:com="http://schemas.openxmlformats.org/drawingml/2006/compatibility" xmlns:p14="http://schemas.microsoft.com/office/powerpoint/2010/main" xmlns:p15="http://schemas.microsoft.com/office/powerpoint/2012/main" xmlns:ahyp="http://schemas.microsoft.com/office/drawing/2018/hyperlinkcolor">
-  <p:cSld>
-    <p:spTree>
-      <p:nvGrpSpPr>
-        <p:cNvPr id="108" name="Shape 108"/>
-        <p:cNvGrpSpPr/>
-        <p:nvPr/>
-      </p:nvGrpSpPr>
-      <p:grpSpPr>
-        <a:xfrm>
-          <a:off x="0" y="0"/>
-          <a:ext cx="0" cy="0"/>
-          <a:chOff x="0" y="0"/>
-          <a:chExt cx="0" cy="0"/>
-        </a:xfrm>
-      </p:grpSpPr>
-      <p:sp>
-        <p:nvSpPr>
-          <p:cNvPr id="109" name="Google Shape;109;p18"/>
-          <p:cNvSpPr txBox="1"/>
-          <p:nvPr>
-            <p:ph type="title"/>
-          </p:nvPr>
-        </p:nvSpPr>
-        <p:spPr>
-          <a:xfrm>
-            <a:off x="311700" y="445025"/>
-            <a:ext cx="8520600" cy="572700"/>
-          </a:xfrm>
-          <a:prstGeom prst="rect">
-            <a:avLst/>
-          </a:prstGeom>
-        </p:spPr>
-        <p:txBody>
-          <a:bodyPr anchorCtr="0" anchor="t" bIns="91425" lIns="91425" spcFirstLastPara="1" rIns="91425" wrap="square" tIns="91425">
-            <a:normAutofit fontScale="90000"/>
-          </a:bodyPr>
-          <a:lstStyle/>
-          <a:p>
-            <a:pPr indent="0" lvl="0" marL="0" rtl="0" algn="l">
-              <a:spcBef>
-                <a:spcPts val="0"/>
-              </a:spcBef>
-              <a:spcAft>
-                <a:spcPts val="0"/>
-              </a:spcAft>
-              <a:buNone/>
-            </a:pPr>
-            <a:r>
-              <a:rPr lang="en"/>
-              <a:t>Logistic Regression</a:t>
-            </a:r>
-            <a:endParaRPr/>
-          </a:p>
-        </p:txBody>
-      </p:sp>
-      <p:sp>
-        <p:nvSpPr>
-          <p:cNvPr id="110" name="Google Shape;110;p18"/>
-          <p:cNvSpPr txBox="1"/>
-          <p:nvPr>
-            <p:ph idx="1" type="body"/>
-          </p:nvPr>
-        </p:nvSpPr>
-        <p:spPr>
-          <a:xfrm>
-            <a:off x="311700" y="1152475"/>
-            <a:ext cx="8520600" cy="3416400"/>
-          </a:xfrm>
-          <a:prstGeom prst="rect">
-            <a:avLst/>
-          </a:prstGeom>
-        </p:spPr>
-        <p:txBody>
-          <a:bodyPr anchorCtr="0" anchor="t" bIns="91425" lIns="91425" spcFirstLastPara="1" rIns="91425" wrap="square" tIns="91425">
-            <a:normAutofit/>
-          </a:bodyPr>
-          <a:lstStyle/>
-          <a:p>
-            <a:pPr indent="0" lvl="0" marL="0" rtl="0" algn="l">
-              <a:spcBef>
-                <a:spcPts val="0"/>
-              </a:spcBef>
-              <a:spcAft>
-                <a:spcPts val="1200"/>
-              </a:spcAft>
-              <a:buNone/>
-            </a:pPr>
-            <a:r>
-              <a:rPr b="1" lang="en"/>
-              <a:t>Remove outliers via Cook’s Distance</a:t>
-            </a:r>
-            <a:endParaRPr b="1"/>
-          </a:p>
-        </p:txBody>
-      </p:sp>
-      <p:pic>
-        <p:nvPicPr>
-          <p:cNvPr id="111" name="Google Shape;111;p18"/>
-          <p:cNvPicPr preferRelativeResize="0"/>
-          <p:nvPr/>
-        </p:nvPicPr>
-        <p:blipFill>
-          <a:blip r:embed="rId3">
-            <a:alphaModFix/>
-          </a:blip>
-          <a:stretch>
-            <a:fillRect/>
-          </a:stretch>
-        </p:blipFill>
-        <p:spPr>
-          <a:xfrm>
-            <a:off x="2081212" y="1719200"/>
-            <a:ext cx="4981575" cy="3170125"/>
-          </a:xfrm>
-          <a:prstGeom prst="rect">
-            <a:avLst/>
-          </a:prstGeom>
-          <a:noFill/>
-          <a:ln>
-            <a:noFill/>
-          </a:ln>
-        </p:spPr>
-      </p:pic>
-      <p:sp>
-        <p:nvSpPr>
-          <p:cNvPr id="112" name="Google Shape;112;p18"/>
-          <p:cNvSpPr txBox="1"/>
-          <p:nvPr/>
-        </p:nvSpPr>
-        <p:spPr>
-          <a:xfrm>
-            <a:off x="4352475" y="2213325"/>
-            <a:ext cx="2096700" cy="554100"/>
-          </a:xfrm>
-          <a:prstGeom prst="rect">
-            <a:avLst/>
-          </a:prstGeom>
-          <a:solidFill>
-            <a:srgbClr val="C7F0DB"/>
-          </a:solidFill>
-          <a:ln cap="flat" cmpd="sng" w="9525">
-            <a:solidFill>
-              <a:schemeClr val="dk2"/>
-            </a:solidFill>
-            <a:prstDash val="solid"/>
-            <a:round/>
-            <a:headEnd len="sm" w="sm" type="none"/>
-            <a:tailEnd len="sm" w="sm" type="none"/>
-          </a:ln>
-        </p:spPr>
-        <p:txBody>
-          <a:bodyPr anchorCtr="0" anchor="t" bIns="91425" lIns="91425" spcFirstLastPara="1" rIns="91425" wrap="square" tIns="91425">
-            <a:spAutoFit/>
-          </a:bodyPr>
-          <a:lstStyle/>
-          <a:p>
-            <a:pPr indent="0" lvl="0" marL="0" rtl="0" algn="l">
-              <a:spcBef>
-                <a:spcPts val="0"/>
-              </a:spcBef>
-              <a:spcAft>
-                <a:spcPts val="0"/>
-              </a:spcAft>
-              <a:buNone/>
-            </a:pPr>
-            <a:r>
-              <a:rPr lang="en" sz="1200">
-                <a:latin typeface="Proxima Nova"/>
-                <a:ea typeface="Proxima Nova"/>
-                <a:cs typeface="Proxima Nova"/>
-                <a:sym typeface="Proxima Nova"/>
-              </a:rPr>
-              <a:t>Observations 2, 8 and 55 are removed from the model</a:t>
-            </a:r>
-            <a:endParaRPr sz="1200">
-              <a:latin typeface="Proxima Nova"/>
-              <a:ea typeface="Proxima Nova"/>
-              <a:cs typeface="Proxima Nova"/>
-              <a:sym typeface="Proxima Nova"/>
-            </a:endParaRPr>
-          </a:p>
-        </p:txBody>
-      </p:sp>
-    </p:spTree>
-  </p:cSld>
-  <p:clrMapOvr>
-    <a:masterClrMapping/>
-  </p:clrMapOvr>
-</p:sld>
-</file>
-
-<file path=ppt/slides/slide7.xml><?xml version="1.0" encoding="utf-8"?>
-<p:sld xmlns:a="http://schemas.openxmlformats.org/drawingml/2006/main" xmlns:r="http://schemas.openxmlformats.org/officeDocument/2006/relationships" xmlns:mc="http://schemas.openxmlformats.org/markup-compatibility/2006" xmlns:mv="urn:schemas-microsoft-com:mac:vml" xmlns:p="http://schemas.openxmlformats.org/presentationml/2006/main" xmlns:c="http://schemas.openxmlformats.org/drawingml/2006/chart" xmlns:dgm="http://schemas.openxmlformats.org/drawingml/2006/diagram" xmlns:o="urn:schemas-microsoft-com:office:office" xmlns:v="urn:schemas-microsoft-com:vml" xmlns:pvml="urn:schemas-microsoft-com:office:powerpoint" xmlns:com="http://schemas.openxmlformats.org/drawingml/2006/compatibility" xmlns:p14="http://schemas.microsoft.com/office/powerpoint/2010/main" xmlns:p15="http://schemas.microsoft.com/office/powerpoint/2012/main" xmlns:ahyp="http://schemas.microsoft.com/office/drawing/2018/hyperlinkcolor">
-  <p:cSld>
-    <p:spTree>
-      <p:nvGrpSpPr>
-        <p:cNvPr id="116" name="Shape 116"/>
-        <p:cNvGrpSpPr/>
-        <p:nvPr/>
-      </p:nvGrpSpPr>
-      <p:grpSpPr>
-        <a:xfrm>
-          <a:off x="0" y="0"/>
-          <a:ext cx="0" cy="0"/>
-          <a:chOff x="0" y="0"/>
-          <a:chExt cx="0" cy="0"/>
-        </a:xfrm>
-      </p:grpSpPr>
-      <p:sp>
-        <p:nvSpPr>
-          <p:cNvPr id="117" name="Google Shape;117;p19"/>
-          <p:cNvSpPr txBox="1"/>
-          <p:nvPr>
-            <p:ph type="title"/>
-          </p:nvPr>
-        </p:nvSpPr>
-        <p:spPr>
-          <a:xfrm>
-            <a:off x="311700" y="445025"/>
-            <a:ext cx="8520600" cy="572700"/>
-          </a:xfrm>
-          <a:prstGeom prst="rect">
-            <a:avLst/>
-          </a:prstGeom>
-        </p:spPr>
-        <p:txBody>
-          <a:bodyPr anchorCtr="0" anchor="t" bIns="91425" lIns="91425" spcFirstLastPara="1" rIns="91425" wrap="square" tIns="91425">
-            <a:normAutofit fontScale="90000"/>
-          </a:bodyPr>
-          <a:lstStyle/>
-          <a:p>
-            <a:pPr indent="0" lvl="0" marL="0" rtl="0" algn="l">
-              <a:spcBef>
-                <a:spcPts val="0"/>
-              </a:spcBef>
-              <a:spcAft>
-                <a:spcPts val="0"/>
-              </a:spcAft>
-              <a:buNone/>
-            </a:pPr>
-            <a:r>
-              <a:rPr lang="en"/>
-              <a:t>Logistic Regression</a:t>
-            </a:r>
-            <a:endParaRPr/>
-          </a:p>
-        </p:txBody>
-      </p:sp>
-      <p:sp>
-        <p:nvSpPr>
-          <p:cNvPr id="118" name="Google Shape;118;p19"/>
-          <p:cNvSpPr txBox="1"/>
-          <p:nvPr>
-            <p:ph idx="1" type="body"/>
-          </p:nvPr>
-        </p:nvSpPr>
-        <p:spPr>
-          <a:xfrm>
-            <a:off x="311700" y="1152475"/>
-            <a:ext cx="8520600" cy="3416400"/>
-          </a:xfrm>
-          <a:prstGeom prst="rect">
-            <a:avLst/>
-          </a:prstGeom>
-        </p:spPr>
-        <p:txBody>
-          <a:bodyPr anchorCtr="0" anchor="t" bIns="91425" lIns="91425" spcFirstLastPara="1" rIns="91425" wrap="square" tIns="91425">
-            <a:normAutofit/>
-          </a:bodyPr>
-          <a:lstStyle/>
-          <a:p>
-            <a:pPr indent="0" lvl="0" marL="0" rtl="0" algn="l">
-              <a:spcBef>
-                <a:spcPts val="0"/>
-              </a:spcBef>
-              <a:spcAft>
-                <a:spcPts val="1200"/>
-              </a:spcAft>
-              <a:buNone/>
-            </a:pPr>
-            <a:r>
-              <a:rPr b="1" lang="en"/>
-              <a:t>Variable Selection via AIC</a:t>
-            </a:r>
-            <a:endParaRPr b="1"/>
-          </a:p>
-        </p:txBody>
-      </p:sp>
-      <p:pic>
-        <p:nvPicPr>
-          <p:cNvPr id="119" name="Google Shape;119;p19"/>
           <p:cNvPicPr preferRelativeResize="0"/>
           <p:nvPr/>
         </p:nvPicPr>
@@ -10072,13 +8986,13 @@
       </p:pic>
       <p:sp>
         <p:nvSpPr>
-          <p:cNvPr id="120" name="Google Shape;120;p19"/>
+          <p:cNvPr id="104" name="Google Shape;104;p17"/>
           <p:cNvSpPr txBox="1"/>
           <p:nvPr/>
         </p:nvSpPr>
         <p:spPr>
           <a:xfrm>
-            <a:off x="4981625" y="1379225"/>
+            <a:off x="4981625" y="1912625"/>
             <a:ext cx="3579600" cy="3201600"/>
           </a:xfrm>
           <a:prstGeom prst="rect">
@@ -10449,6 +9363,146 @@
           </a:p>
         </p:txBody>
       </p:sp>
+      <p:pic>
+        <p:nvPicPr>
+          <p:cNvPr id="105" name="Google Shape;105;p17"/>
+          <p:cNvPicPr preferRelativeResize="0"/>
+          <p:nvPr/>
+        </p:nvPicPr>
+        <p:blipFill>
+          <a:blip r:embed="rId4">
+            <a:alphaModFix/>
+          </a:blip>
+          <a:stretch>
+            <a:fillRect/>
+          </a:stretch>
+        </p:blipFill>
+        <p:spPr>
+          <a:xfrm>
+            <a:off x="6282975" y="269525"/>
+            <a:ext cx="2708625" cy="1723675"/>
+          </a:xfrm>
+          <a:prstGeom prst="rect">
+            <a:avLst/>
+          </a:prstGeom>
+          <a:noFill/>
+          <a:ln>
+            <a:noFill/>
+          </a:ln>
+        </p:spPr>
+      </p:pic>
+      <p:sp>
+        <p:nvSpPr>
+          <p:cNvPr id="106" name="Google Shape;106;p17"/>
+          <p:cNvSpPr txBox="1"/>
+          <p:nvPr/>
+        </p:nvSpPr>
+        <p:spPr>
+          <a:xfrm>
+            <a:off x="3984275" y="798500"/>
+            <a:ext cx="1905000" cy="492600"/>
+          </a:xfrm>
+          <a:prstGeom prst="rect">
+            <a:avLst/>
+          </a:prstGeom>
+          <a:solidFill>
+            <a:srgbClr val="C7F0DB"/>
+          </a:solidFill>
+          <a:ln cap="flat" cmpd="sng" w="9525">
+            <a:solidFill>
+              <a:schemeClr val="dk2"/>
+            </a:solidFill>
+            <a:prstDash val="solid"/>
+            <a:round/>
+            <a:headEnd len="sm" w="sm" type="none"/>
+            <a:tailEnd len="sm" w="sm" type="none"/>
+          </a:ln>
+        </p:spPr>
+        <p:txBody>
+          <a:bodyPr anchorCtr="0" anchor="t" bIns="91425" lIns="91425" spcFirstLastPara="1" rIns="91425" wrap="square" tIns="91425">
+            <a:spAutoFit/>
+          </a:bodyPr>
+          <a:lstStyle/>
+          <a:p>
+            <a:pPr indent="0" lvl="0" marL="0" rtl="0" algn="l">
+              <a:spcBef>
+                <a:spcPts val="0"/>
+              </a:spcBef>
+              <a:spcAft>
+                <a:spcPts val="0"/>
+              </a:spcAft>
+              <a:buNone/>
+            </a:pPr>
+            <a:r>
+              <a:rPr lang="en" sz="1000">
+                <a:latin typeface="Proxima Nova"/>
+                <a:ea typeface="Proxima Nova"/>
+                <a:cs typeface="Proxima Nova"/>
+                <a:sym typeface="Proxima Nova"/>
+              </a:rPr>
+              <a:t>Observations 2, 8 and 55 were  removed via Cook’s Distance</a:t>
+            </a:r>
+            <a:endParaRPr sz="1000">
+              <a:latin typeface="Proxima Nova"/>
+              <a:ea typeface="Proxima Nova"/>
+              <a:cs typeface="Proxima Nova"/>
+              <a:sym typeface="Proxima Nova"/>
+            </a:endParaRPr>
+          </a:p>
+        </p:txBody>
+      </p:sp>
+      <p:sp>
+        <p:nvSpPr>
+          <p:cNvPr id="107" name="Google Shape;107;p17"/>
+          <p:cNvSpPr/>
+          <p:nvPr/>
+        </p:nvSpPr>
+        <p:spPr>
+          <a:xfrm>
+            <a:off x="5971175" y="973775"/>
+            <a:ext cx="235500" cy="178800"/>
+          </a:xfrm>
+          <a:prstGeom prst="rightArrow">
+            <a:avLst>
+              <a:gd fmla="val 50000" name="adj1"/>
+              <a:gd fmla="val 50000" name="adj2"/>
+            </a:avLst>
+          </a:prstGeom>
+          <a:solidFill>
+            <a:schemeClr val="lt2"/>
+          </a:solidFill>
+          <a:ln cap="flat" cmpd="sng" w="9525">
+            <a:solidFill>
+              <a:schemeClr val="dk2"/>
+            </a:solidFill>
+            <a:prstDash val="solid"/>
+            <a:round/>
+            <a:headEnd len="sm" w="sm" type="none"/>
+            <a:tailEnd len="sm" w="sm" type="none"/>
+          </a:ln>
+        </p:spPr>
+        <p:txBody>
+          <a:bodyPr anchorCtr="0" anchor="ctr" bIns="91425" lIns="91425" spcFirstLastPara="1" rIns="91425" wrap="square" tIns="91425">
+            <a:noAutofit/>
+          </a:bodyPr>
+          <a:lstStyle/>
+          <a:p>
+            <a:pPr indent="0" lvl="0" marL="0" rtl="0" algn="l">
+              <a:spcBef>
+                <a:spcPts val="0"/>
+              </a:spcBef>
+              <a:spcAft>
+                <a:spcPts val="0"/>
+              </a:spcAft>
+              <a:buNone/>
+            </a:pPr>
+            <a:r>
+              <a:t/>
+            </a:r>
+            <a:endParaRPr/>
+          </a:p>
+        </p:txBody>
+      </p:sp>
     </p:spTree>
   </p:cSld>
   <p:clrMapOvr>
@@ -10457,12 +9511,12 @@
 </p:sld>
 </file>
 
-<file path=ppt/slides/slide8.xml><?xml version="1.0" encoding="utf-8"?>
+<file path=ppt/slides/slide6.xml><?xml version="1.0" encoding="utf-8"?>
 <p:sld xmlns:a="http://schemas.openxmlformats.org/drawingml/2006/main" xmlns:r="http://schemas.openxmlformats.org/officeDocument/2006/relationships" xmlns:mc="http://schemas.openxmlformats.org/markup-compatibility/2006" xmlns:mv="urn:schemas-microsoft-com:mac:vml" xmlns:p="http://schemas.openxmlformats.org/presentationml/2006/main" xmlns:c="http://schemas.openxmlformats.org/drawingml/2006/chart" xmlns:dgm="http://schemas.openxmlformats.org/drawingml/2006/diagram" xmlns:o="urn:schemas-microsoft-com:office:office" xmlns:v="urn:schemas-microsoft-com:vml" xmlns:pvml="urn:schemas-microsoft-com:office:powerpoint" xmlns:com="http://schemas.openxmlformats.org/drawingml/2006/compatibility" xmlns:p14="http://schemas.microsoft.com/office/powerpoint/2010/main" xmlns:p15="http://schemas.microsoft.com/office/powerpoint/2012/main" xmlns:ahyp="http://schemas.microsoft.com/office/drawing/2018/hyperlinkcolor">
   <p:cSld>
     <p:spTree>
       <p:nvGrpSpPr>
-        <p:cNvPr id="124" name="Shape 124"/>
+        <p:cNvPr id="111" name="Shape 111"/>
         <p:cNvGrpSpPr/>
         <p:nvPr/>
       </p:nvGrpSpPr>
@@ -10476,7 +9530,7 @@
       </p:grpSpPr>
       <p:sp>
         <p:nvSpPr>
-          <p:cNvPr id="125" name="Google Shape;125;p20"/>
+          <p:cNvPr id="112" name="Google Shape;112;p18"/>
           <p:cNvSpPr txBox="1"/>
           <p:nvPr>
             <p:ph type="title"/>
@@ -10516,7 +9570,7 @@
       </p:sp>
       <p:sp>
         <p:nvSpPr>
-          <p:cNvPr id="126" name="Google Shape;126;p20"/>
+          <p:cNvPr id="113" name="Google Shape;113;p18"/>
           <p:cNvSpPr txBox="1"/>
           <p:nvPr>
             <p:ph idx="1" type="body"/>
@@ -10802,7 +9856,7 @@
       </p:sp>
       <p:pic>
         <p:nvPicPr>
-          <p:cNvPr id="127" name="Google Shape;127;p20"/>
+          <p:cNvPr id="114" name="Google Shape;114;p18"/>
           <p:cNvPicPr preferRelativeResize="0"/>
           <p:nvPr/>
         </p:nvPicPr>
@@ -10837,7 +9891,7 @@
       </p:pic>
       <p:sp>
         <p:nvSpPr>
-          <p:cNvPr id="128" name="Google Shape;128;p20"/>
+          <p:cNvPr id="115" name="Google Shape;115;p18"/>
           <p:cNvSpPr txBox="1"/>
           <p:nvPr/>
         </p:nvSpPr>
@@ -10903,12 +9957,12 @@
 </p:sld>
 </file>
 
-<file path=ppt/slides/slide9.xml><?xml version="1.0" encoding="utf-8"?>
+<file path=ppt/slides/slide7.xml><?xml version="1.0" encoding="utf-8"?>
 <p:sld xmlns:a="http://schemas.openxmlformats.org/drawingml/2006/main" xmlns:r="http://schemas.openxmlformats.org/officeDocument/2006/relationships" xmlns:mc="http://schemas.openxmlformats.org/markup-compatibility/2006" xmlns:mv="urn:schemas-microsoft-com:mac:vml" xmlns:p="http://schemas.openxmlformats.org/presentationml/2006/main" xmlns:c="http://schemas.openxmlformats.org/drawingml/2006/chart" xmlns:dgm="http://schemas.openxmlformats.org/drawingml/2006/diagram" xmlns:o="urn:schemas-microsoft-com:office:office" xmlns:v="urn:schemas-microsoft-com:vml" xmlns:pvml="urn:schemas-microsoft-com:office:powerpoint" xmlns:com="http://schemas.openxmlformats.org/drawingml/2006/compatibility" xmlns:p14="http://schemas.microsoft.com/office/powerpoint/2010/main" xmlns:p15="http://schemas.microsoft.com/office/powerpoint/2012/main" xmlns:ahyp="http://schemas.microsoft.com/office/drawing/2018/hyperlinkcolor">
   <p:cSld>
     <p:spTree>
       <p:nvGrpSpPr>
-        <p:cNvPr id="132" name="Shape 132"/>
+        <p:cNvPr id="119" name="Shape 119"/>
         <p:cNvGrpSpPr/>
         <p:nvPr/>
       </p:nvGrpSpPr>
@@ -10922,7 +9976,7 @@
       </p:grpSpPr>
       <p:sp>
         <p:nvSpPr>
-          <p:cNvPr id="133" name="Google Shape;133;p21"/>
+          <p:cNvPr id="120" name="Google Shape;120;p19"/>
           <p:cNvSpPr txBox="1"/>
           <p:nvPr>
             <p:ph type="title"/>
@@ -10962,7 +10016,7 @@
       </p:sp>
       <p:sp>
         <p:nvSpPr>
-          <p:cNvPr id="134" name="Google Shape;134;p21"/>
+          <p:cNvPr id="121" name="Google Shape;121;p19"/>
           <p:cNvSpPr txBox="1"/>
           <p:nvPr>
             <p:ph idx="1" type="body"/>
@@ -11006,7 +10060,7 @@
       </p:sp>
       <p:pic>
         <p:nvPicPr>
-          <p:cNvPr id="135" name="Google Shape;135;p21"/>
+          <p:cNvPr id="122" name="Google Shape;122;p19"/>
           <p:cNvPicPr preferRelativeResize="0"/>
           <p:nvPr/>
         </p:nvPicPr>
@@ -11033,7 +10087,7 @@
       </p:pic>
       <p:pic>
         <p:nvPicPr>
-          <p:cNvPr id="136" name="Google Shape;136;p21"/>
+          <p:cNvPr id="123" name="Google Shape;123;p19"/>
           <p:cNvPicPr preferRelativeResize="0"/>
           <p:nvPr/>
         </p:nvPicPr>
@@ -11061,7 +10115,7 @@
       </p:pic>
       <p:sp>
         <p:nvSpPr>
-          <p:cNvPr id="137" name="Google Shape;137;p21"/>
+          <p:cNvPr id="124" name="Google Shape;124;p19"/>
           <p:cNvSpPr txBox="1"/>
           <p:nvPr/>
         </p:nvSpPr>
@@ -11113,7 +10167,7 @@
       </p:sp>
       <p:sp>
         <p:nvSpPr>
-          <p:cNvPr id="138" name="Google Shape;138;p21"/>
+          <p:cNvPr id="125" name="Google Shape;125;p19"/>
           <p:cNvSpPr txBox="1"/>
           <p:nvPr/>
         </p:nvSpPr>
@@ -11183,7 +10237,7 @@
       </p:sp>
       <p:sp>
         <p:nvSpPr>
-          <p:cNvPr id="139" name="Google Shape;139;p21"/>
+          <p:cNvPr id="126" name="Google Shape;126;p19"/>
           <p:cNvSpPr txBox="1"/>
           <p:nvPr/>
         </p:nvSpPr>
@@ -11265,7 +10319,7 @@
       </p:sp>
       <p:sp>
         <p:nvSpPr>
-          <p:cNvPr id="140" name="Google Shape;140;p21"/>
+          <p:cNvPr id="127" name="Google Shape;127;p19"/>
           <p:cNvSpPr/>
           <p:nvPr/>
         </p:nvSpPr>
@@ -11315,7 +10369,7 @@
       </p:sp>
       <p:sp>
         <p:nvSpPr>
-          <p:cNvPr id="141" name="Google Shape;141;p21"/>
+          <p:cNvPr id="128" name="Google Shape;128;p19"/>
           <p:cNvSpPr/>
           <p:nvPr/>
         </p:nvSpPr>
@@ -11365,7 +10419,7 @@
       </p:sp>
       <p:sp>
         <p:nvSpPr>
-          <p:cNvPr id="142" name="Google Shape;142;p21"/>
+          <p:cNvPr id="129" name="Google Shape;129;p19"/>
           <p:cNvSpPr txBox="1"/>
           <p:nvPr/>
         </p:nvSpPr>
@@ -11417,7 +10471,7 @@
       </p:sp>
       <p:sp>
         <p:nvSpPr>
-          <p:cNvPr id="143" name="Google Shape;143;p21"/>
+          <p:cNvPr id="130" name="Google Shape;130;p19"/>
           <p:cNvSpPr txBox="1"/>
           <p:nvPr/>
         </p:nvSpPr>
@@ -11478,7 +10532,7 @@
       </p:sp>
       <p:sp>
         <p:nvSpPr>
-          <p:cNvPr id="144" name="Google Shape;144;p21"/>
+          <p:cNvPr id="131" name="Google Shape;131;p19"/>
           <p:cNvSpPr txBox="1"/>
           <p:nvPr/>
         </p:nvSpPr>
@@ -11530,7 +10584,7 @@
       </p:sp>
       <p:sp>
         <p:nvSpPr>
-          <p:cNvPr id="145" name="Google Shape;145;p21"/>
+          <p:cNvPr id="132" name="Google Shape;132;p19"/>
           <p:cNvSpPr txBox="1"/>
           <p:nvPr/>
         </p:nvSpPr>
@@ -11591,7 +10645,7 @@
       </p:sp>
       <p:sp>
         <p:nvSpPr>
-          <p:cNvPr id="146" name="Google Shape;146;p21"/>
+          <p:cNvPr id="133" name="Google Shape;133;p19"/>
           <p:cNvSpPr txBox="1"/>
           <p:nvPr/>
         </p:nvSpPr>
@@ -11643,7 +10697,7 @@
       </p:sp>
       <p:cxnSp>
         <p:nvCxnSpPr>
-          <p:cNvPr id="147" name="Google Shape;147;p21"/>
+          <p:cNvPr id="134" name="Google Shape;134;p19"/>
           <p:cNvCxnSpPr/>
           <p:nvPr/>
         </p:nvCxnSpPr>
@@ -11669,7 +10723,7 @@
       </p:cxnSp>
       <p:cxnSp>
         <p:nvCxnSpPr>
-          <p:cNvPr id="148" name="Google Shape;148;p21"/>
+          <p:cNvPr id="135" name="Google Shape;135;p19"/>
           <p:cNvCxnSpPr/>
           <p:nvPr/>
         </p:nvCxnSpPr>
@@ -11701,7 +10755,804 @@
 </p:sld>
 </file>
 
+<file path=ppt/slides/slide8.xml><?xml version="1.0" encoding="utf-8"?>
+<p:sld xmlns:a="http://schemas.openxmlformats.org/drawingml/2006/main" xmlns:r="http://schemas.openxmlformats.org/officeDocument/2006/relationships" xmlns:mc="http://schemas.openxmlformats.org/markup-compatibility/2006" xmlns:mv="urn:schemas-microsoft-com:mac:vml" xmlns:p="http://schemas.openxmlformats.org/presentationml/2006/main" xmlns:c="http://schemas.openxmlformats.org/drawingml/2006/chart" xmlns:dgm="http://schemas.openxmlformats.org/drawingml/2006/diagram" xmlns:o="urn:schemas-microsoft-com:office:office" xmlns:v="urn:schemas-microsoft-com:vml" xmlns:pvml="urn:schemas-microsoft-com:office:powerpoint" xmlns:com="http://schemas.openxmlformats.org/drawingml/2006/compatibility" xmlns:p14="http://schemas.microsoft.com/office/powerpoint/2010/main" xmlns:p15="http://schemas.microsoft.com/office/powerpoint/2012/main" xmlns:ahyp="http://schemas.microsoft.com/office/drawing/2018/hyperlinkcolor">
+  <p:cSld>
+    <p:spTree>
+      <p:nvGrpSpPr>
+        <p:cNvPr id="139" name="Shape 139"/>
+        <p:cNvGrpSpPr/>
+        <p:nvPr/>
+      </p:nvGrpSpPr>
+      <p:grpSpPr>
+        <a:xfrm>
+          <a:off x="0" y="0"/>
+          <a:ext cx="0" cy="0"/>
+          <a:chOff x="0" y="0"/>
+          <a:chExt cx="0" cy="0"/>
+        </a:xfrm>
+      </p:grpSpPr>
+      <p:sp>
+        <p:nvSpPr>
+          <p:cNvPr id="140" name="Google Shape;140;p20"/>
+          <p:cNvSpPr txBox="1"/>
+          <p:nvPr>
+            <p:ph type="title"/>
+          </p:nvPr>
+        </p:nvSpPr>
+        <p:spPr>
+          <a:xfrm>
+            <a:off x="311700" y="445025"/>
+            <a:ext cx="8520600" cy="572700"/>
+          </a:xfrm>
+          <a:prstGeom prst="rect">
+            <a:avLst/>
+          </a:prstGeom>
+        </p:spPr>
+        <p:txBody>
+          <a:bodyPr anchorCtr="0" anchor="t" bIns="91425" lIns="91425" spcFirstLastPara="1" rIns="91425" wrap="square" tIns="91425">
+            <a:normAutofit fontScale="90000"/>
+          </a:bodyPr>
+          <a:lstStyle/>
+          <a:p>
+            <a:pPr indent="0" lvl="0" marL="0" rtl="0" algn="l">
+              <a:spcBef>
+                <a:spcPts val="0"/>
+              </a:spcBef>
+              <a:spcAft>
+                <a:spcPts val="0"/>
+              </a:spcAft>
+              <a:buNone/>
+            </a:pPr>
+            <a:r>
+              <a:rPr lang="en"/>
+              <a:t>Bayesian Approach</a:t>
+            </a:r>
+            <a:endParaRPr/>
+          </a:p>
+        </p:txBody>
+      </p:sp>
+      <p:pic>
+        <p:nvPicPr>
+          <p:cNvPr id="141" name="Google Shape;141;p20"/>
+          <p:cNvPicPr preferRelativeResize="0"/>
+          <p:nvPr/>
+        </p:nvPicPr>
+        <p:blipFill>
+          <a:blip r:embed="rId3">
+            <a:alphaModFix/>
+          </a:blip>
+          <a:stretch>
+            <a:fillRect/>
+          </a:stretch>
+        </p:blipFill>
+        <p:spPr>
+          <a:xfrm>
+            <a:off x="140774" y="2259474"/>
+            <a:ext cx="4467351" cy="2717149"/>
+          </a:xfrm>
+          <a:prstGeom prst="rect">
+            <a:avLst/>
+          </a:prstGeom>
+          <a:noFill/>
+          <a:ln>
+            <a:noFill/>
+          </a:ln>
+          <a:effectLst>
+            <a:outerShdw blurRad="57150" rotWithShape="0" algn="bl" dir="5400000" dist="19050">
+              <a:srgbClr val="000000">
+                <a:alpha val="50000"/>
+              </a:srgbClr>
+            </a:outerShdw>
+          </a:effectLst>
+        </p:spPr>
+      </p:pic>
+      <p:pic>
+        <p:nvPicPr>
+          <p:cNvPr id="142" name="Google Shape;142;p20"/>
+          <p:cNvPicPr preferRelativeResize="0"/>
+          <p:nvPr/>
+        </p:nvPicPr>
+        <p:blipFill>
+          <a:blip r:embed="rId4">
+            <a:alphaModFix/>
+          </a:blip>
+          <a:stretch>
+            <a:fillRect/>
+          </a:stretch>
+        </p:blipFill>
+        <p:spPr>
+          <a:xfrm>
+            <a:off x="4608125" y="2259475"/>
+            <a:ext cx="4467350" cy="2720690"/>
+          </a:xfrm>
+          <a:prstGeom prst="rect">
+            <a:avLst/>
+          </a:prstGeom>
+          <a:noFill/>
+          <a:ln>
+            <a:noFill/>
+          </a:ln>
+          <a:effectLst>
+            <a:outerShdw blurRad="57150" rotWithShape="0" algn="bl" dir="5400000" dist="19050">
+              <a:srgbClr val="000000">
+                <a:alpha val="50000"/>
+              </a:srgbClr>
+            </a:outerShdw>
+          </a:effectLst>
+        </p:spPr>
+      </p:pic>
+      <p:sp>
+        <p:nvSpPr>
+          <p:cNvPr id="143" name="Google Shape;143;p20"/>
+          <p:cNvSpPr txBox="1"/>
+          <p:nvPr>
+            <p:ph idx="1" type="body"/>
+          </p:nvPr>
+        </p:nvSpPr>
+        <p:spPr>
+          <a:xfrm>
+            <a:off x="311700" y="1017725"/>
+            <a:ext cx="8520600" cy="3551100"/>
+          </a:xfrm>
+          <a:prstGeom prst="rect">
+            <a:avLst/>
+          </a:prstGeom>
+        </p:spPr>
+        <p:txBody>
+          <a:bodyPr anchorCtr="0" anchor="t" bIns="91425" lIns="91425" spcFirstLastPara="1" rIns="91425" wrap="square" tIns="91425">
+            <a:normAutofit/>
+          </a:bodyPr>
+          <a:lstStyle/>
+          <a:p>
+            <a:pPr indent="0" lvl="0" marL="0" rtl="0" algn="l">
+              <a:spcBef>
+                <a:spcPts val="0"/>
+              </a:spcBef>
+              <a:spcAft>
+                <a:spcPts val="0"/>
+              </a:spcAft>
+              <a:buNone/>
+            </a:pPr>
+            <a:r>
+              <a:rPr lang="en" sz="1600">
+                <a:solidFill>
+                  <a:schemeClr val="dk1"/>
+                </a:solidFill>
+              </a:rPr>
+              <a:t>Specify the prior and distribution of response y (which defines likelihood)</a:t>
+            </a:r>
+            <a:endParaRPr sz="1600">
+              <a:solidFill>
+                <a:schemeClr val="dk1"/>
+              </a:solidFill>
+            </a:endParaRPr>
+          </a:p>
+          <a:p>
+            <a:pPr indent="0" lvl="0" marL="0" rtl="0" algn="l">
+              <a:spcBef>
+                <a:spcPts val="1200"/>
+              </a:spcBef>
+              <a:spcAft>
+                <a:spcPts val="1200"/>
+              </a:spcAft>
+              <a:buNone/>
+            </a:pPr>
+            <a:r>
+              <a:rPr lang="en" sz="1600">
+                <a:solidFill>
+                  <a:schemeClr val="dk1"/>
+                </a:solidFill>
+              </a:rPr>
+              <a:t>MCMC only depends on the prior distribution and the likelihood</a:t>
+            </a:r>
+            <a:r>
+              <a:rPr lang="en" sz="1600">
+                <a:solidFill>
+                  <a:schemeClr val="dk1"/>
+                </a:solidFill>
+              </a:rPr>
+              <a:t> to generate samples from posterior distribution</a:t>
+            </a:r>
+            <a:endParaRPr sz="1600">
+              <a:solidFill>
+                <a:schemeClr val="dk1"/>
+              </a:solidFill>
+            </a:endParaRPr>
+          </a:p>
+        </p:txBody>
+      </p:sp>
+    </p:spTree>
+  </p:cSld>
+  <p:clrMapOvr>
+    <a:masterClrMapping/>
+  </p:clrMapOvr>
+</p:sld>
+</file>
+
+<file path=ppt/slides/slide9.xml><?xml version="1.0" encoding="utf-8"?>
+<p:sld xmlns:a="http://schemas.openxmlformats.org/drawingml/2006/main" xmlns:r="http://schemas.openxmlformats.org/officeDocument/2006/relationships" xmlns:mc="http://schemas.openxmlformats.org/markup-compatibility/2006" xmlns:mv="urn:schemas-microsoft-com:mac:vml" xmlns:p="http://schemas.openxmlformats.org/presentationml/2006/main" xmlns:c="http://schemas.openxmlformats.org/drawingml/2006/chart" xmlns:dgm="http://schemas.openxmlformats.org/drawingml/2006/diagram" xmlns:o="urn:schemas-microsoft-com:office:office" xmlns:v="urn:schemas-microsoft-com:vml" xmlns:pvml="urn:schemas-microsoft-com:office:powerpoint" xmlns:com="http://schemas.openxmlformats.org/drawingml/2006/compatibility" xmlns:p14="http://schemas.microsoft.com/office/powerpoint/2010/main" xmlns:p15="http://schemas.microsoft.com/office/powerpoint/2012/main" xmlns:ahyp="http://schemas.microsoft.com/office/drawing/2018/hyperlinkcolor">
+  <p:cSld>
+    <p:spTree>
+      <p:nvGrpSpPr>
+        <p:cNvPr id="147" name="Shape 147"/>
+        <p:cNvGrpSpPr/>
+        <p:nvPr/>
+      </p:nvGrpSpPr>
+      <p:grpSpPr>
+        <a:xfrm>
+          <a:off x="0" y="0"/>
+          <a:ext cx="0" cy="0"/>
+          <a:chOff x="0" y="0"/>
+          <a:chExt cx="0" cy="0"/>
+        </a:xfrm>
+      </p:grpSpPr>
+      <p:sp>
+        <p:nvSpPr>
+          <p:cNvPr id="148" name="Google Shape;148;p21"/>
+          <p:cNvSpPr txBox="1"/>
+          <p:nvPr>
+            <p:ph type="title"/>
+          </p:nvPr>
+        </p:nvSpPr>
+        <p:spPr>
+          <a:xfrm>
+            <a:off x="311700" y="445025"/>
+            <a:ext cx="8520600" cy="572700"/>
+          </a:xfrm>
+          <a:prstGeom prst="rect">
+            <a:avLst/>
+          </a:prstGeom>
+        </p:spPr>
+        <p:txBody>
+          <a:bodyPr anchorCtr="0" anchor="t" bIns="91425" lIns="91425" spcFirstLastPara="1" rIns="91425" wrap="square" tIns="91425">
+            <a:normAutofit fontScale="90000"/>
+          </a:bodyPr>
+          <a:lstStyle/>
+          <a:p>
+            <a:pPr indent="0" lvl="0" marL="0" rtl="0" algn="l">
+              <a:spcBef>
+                <a:spcPts val="0"/>
+              </a:spcBef>
+              <a:spcAft>
+                <a:spcPts val="0"/>
+              </a:spcAft>
+              <a:buNone/>
+            </a:pPr>
+            <a:r>
+              <a:rPr lang="en"/>
+              <a:t>Comparison of Results</a:t>
+            </a:r>
+            <a:endParaRPr/>
+          </a:p>
+        </p:txBody>
+      </p:sp>
+      <p:sp>
+        <p:nvSpPr>
+          <p:cNvPr id="149" name="Google Shape;149;p21"/>
+          <p:cNvSpPr txBox="1"/>
+          <p:nvPr>
+            <p:ph idx="1" type="body"/>
+          </p:nvPr>
+        </p:nvSpPr>
+        <p:spPr>
+          <a:xfrm>
+            <a:off x="469850" y="1160000"/>
+            <a:ext cx="8520600" cy="3416400"/>
+          </a:xfrm>
+          <a:prstGeom prst="rect">
+            <a:avLst/>
+          </a:prstGeom>
+        </p:spPr>
+        <p:txBody>
+          <a:bodyPr anchorCtr="0" anchor="t" bIns="91425" lIns="91425" spcFirstLastPara="1" rIns="91425" wrap="square" tIns="91425">
+            <a:normAutofit/>
+          </a:bodyPr>
+          <a:lstStyle/>
+          <a:p>
+            <a:pPr indent="0" lvl="0" marL="0" rtl="0" algn="l">
+              <a:spcBef>
+                <a:spcPts val="0"/>
+              </a:spcBef>
+              <a:spcAft>
+                <a:spcPts val="1200"/>
+              </a:spcAft>
+              <a:buNone/>
+            </a:pPr>
+            <a:r>
+              <a:rPr lang="en"/>
+              <a:t>Regular Logistic Regression				Bayesian Logistic Regression</a:t>
+            </a:r>
+            <a:endParaRPr/>
+          </a:p>
+        </p:txBody>
+      </p:sp>
+      <p:pic>
+        <p:nvPicPr>
+          <p:cNvPr id="150" name="Google Shape;150;p21"/>
+          <p:cNvPicPr preferRelativeResize="0"/>
+          <p:nvPr/>
+        </p:nvPicPr>
+        <p:blipFill>
+          <a:blip r:embed="rId3">
+            <a:alphaModFix/>
+          </a:blip>
+          <a:stretch>
+            <a:fillRect/>
+          </a:stretch>
+        </p:blipFill>
+        <p:spPr>
+          <a:xfrm>
+            <a:off x="5274475" y="1940199"/>
+            <a:ext cx="3416025" cy="1741675"/>
+          </a:xfrm>
+          <a:prstGeom prst="rect">
+            <a:avLst/>
+          </a:prstGeom>
+          <a:noFill/>
+          <a:ln>
+            <a:noFill/>
+          </a:ln>
+        </p:spPr>
+      </p:pic>
+      <p:pic>
+        <p:nvPicPr>
+          <p:cNvPr id="151" name="Google Shape;151;p21"/>
+          <p:cNvPicPr preferRelativeResize="0"/>
+          <p:nvPr/>
+        </p:nvPicPr>
+        <p:blipFill>
+          <a:blip r:embed="rId4">
+            <a:alphaModFix/>
+          </a:blip>
+          <a:stretch>
+            <a:fillRect/>
+          </a:stretch>
+        </p:blipFill>
+        <p:spPr>
+          <a:xfrm>
+            <a:off x="311708" y="1932674"/>
+            <a:ext cx="4502867" cy="1741675"/>
+          </a:xfrm>
+          <a:prstGeom prst="rect">
+            <a:avLst/>
+          </a:prstGeom>
+          <a:noFill/>
+          <a:ln>
+            <a:noFill/>
+          </a:ln>
+        </p:spPr>
+      </p:pic>
+      <p:cxnSp>
+        <p:nvCxnSpPr>
+          <p:cNvPr id="152" name="Google Shape;152;p21"/>
+          <p:cNvCxnSpPr/>
+          <p:nvPr/>
+        </p:nvCxnSpPr>
+        <p:spPr>
+          <a:xfrm>
+            <a:off x="5000425" y="1160000"/>
+            <a:ext cx="15000" cy="2982300"/>
+          </a:xfrm>
+          <a:prstGeom prst="straightConnector1">
+            <a:avLst/>
+          </a:prstGeom>
+          <a:noFill/>
+          <a:ln cap="flat" cmpd="sng" w="9525">
+            <a:solidFill>
+              <a:schemeClr val="dk2"/>
+            </a:solidFill>
+            <a:prstDash val="solid"/>
+            <a:round/>
+            <a:headEnd len="med" w="med" type="none"/>
+            <a:tailEnd len="med" w="med" type="none"/>
+          </a:ln>
+        </p:spPr>
+      </p:cxnSp>
+      <p:sp>
+        <p:nvSpPr>
+          <p:cNvPr id="153" name="Google Shape;153;p21"/>
+          <p:cNvSpPr txBox="1"/>
+          <p:nvPr/>
+        </p:nvSpPr>
+        <p:spPr>
+          <a:xfrm>
+            <a:off x="230550" y="3908475"/>
+            <a:ext cx="8682900" cy="615600"/>
+          </a:xfrm>
+          <a:prstGeom prst="rect">
+            <a:avLst/>
+          </a:prstGeom>
+          <a:noFill/>
+          <a:ln>
+            <a:noFill/>
+          </a:ln>
+        </p:spPr>
+        <p:txBody>
+          <a:bodyPr anchorCtr="0" anchor="t" bIns="91425" lIns="91425" spcFirstLastPara="1" rIns="91425" wrap="square" tIns="91425">
+            <a:spAutoFit/>
+          </a:bodyPr>
+          <a:lstStyle/>
+          <a:p>
+            <a:pPr indent="0" lvl="0" marL="0" rtl="0" algn="l">
+              <a:spcBef>
+                <a:spcPts val="0"/>
+              </a:spcBef>
+              <a:spcAft>
+                <a:spcPts val="0"/>
+              </a:spcAft>
+              <a:buNone/>
+            </a:pPr>
+            <a:r>
+              <a:rPr lang="en"/>
+              <a:t>Train Accuracy: 90%								</a:t>
+            </a:r>
+            <a:r>
+              <a:rPr lang="en">
+                <a:solidFill>
+                  <a:schemeClr val="dk1"/>
+                </a:solidFill>
+              </a:rPr>
+              <a:t>Train Accuracy: 90%	</a:t>
+            </a:r>
+            <a:endParaRPr/>
+          </a:p>
+          <a:p>
+            <a:pPr indent="0" lvl="0" marL="0" rtl="0" algn="l">
+              <a:spcBef>
+                <a:spcPts val="0"/>
+              </a:spcBef>
+              <a:spcAft>
+                <a:spcPts val="0"/>
+              </a:spcAft>
+              <a:buNone/>
+            </a:pPr>
+            <a:r>
+              <a:rPr lang="en"/>
+              <a:t>Test Accuracy: 80%								</a:t>
+            </a:r>
+            <a:r>
+              <a:rPr lang="en">
+                <a:solidFill>
+                  <a:schemeClr val="dk1"/>
+                </a:solidFill>
+              </a:rPr>
+              <a:t>Test Accuracy: 80%</a:t>
+            </a:r>
+            <a:endParaRPr/>
+          </a:p>
+        </p:txBody>
+      </p:sp>
+      <p:sp>
+        <p:nvSpPr>
+          <p:cNvPr id="154" name="Google Shape;154;p21"/>
+          <p:cNvSpPr txBox="1"/>
+          <p:nvPr/>
+        </p:nvSpPr>
+        <p:spPr>
+          <a:xfrm>
+            <a:off x="642450" y="4451950"/>
+            <a:ext cx="7859100" cy="585000"/>
+          </a:xfrm>
+          <a:prstGeom prst="rect">
+            <a:avLst/>
+          </a:prstGeom>
+          <a:noFill/>
+          <a:ln>
+            <a:noFill/>
+          </a:ln>
+        </p:spPr>
+        <p:txBody>
+          <a:bodyPr anchorCtr="0" anchor="t" bIns="91425" lIns="91425" spcFirstLastPara="1" rIns="91425" wrap="square" tIns="91425">
+            <a:spAutoFit/>
+          </a:bodyPr>
+          <a:lstStyle/>
+          <a:p>
+            <a:pPr indent="0" lvl="0" marL="0" rtl="0" algn="ctr">
+              <a:spcBef>
+                <a:spcPts val="0"/>
+              </a:spcBef>
+              <a:spcAft>
+                <a:spcPts val="0"/>
+              </a:spcAft>
+              <a:buNone/>
+            </a:pPr>
+            <a:r>
+              <a:rPr lang="en" sz="1300"/>
+              <a:t>While both models have slightly different coefficients and predicted probabilities, when using a probability threshold of 0.6 for making predictions, both models have identical results.</a:t>
+            </a:r>
+            <a:endParaRPr sz="1300"/>
+          </a:p>
+        </p:txBody>
+      </p:sp>
+    </p:spTree>
+  </p:cSld>
+  <p:clrMapOvr>
+    <a:masterClrMapping/>
+  </p:clrMapOvr>
+</p:sld>
+</file>
+
 <file path=ppt/theme/theme1.xml><?xml version="1.0" encoding="utf-8"?>
+<a:theme xmlns:a="http://schemas.openxmlformats.org/drawingml/2006/main" xmlns:r="http://schemas.openxmlformats.org/officeDocument/2006/relationships">
+  <a:themeElements>
+    <a:clrScheme name="Default">
+      <a:dk1>
+        <a:srgbClr val="000000"/>
+      </a:dk1>
+      <a:lt1>
+        <a:srgbClr val="FFFFFF"/>
+      </a:lt1>
+      <a:dk2>
+        <a:srgbClr val="158158"/>
+      </a:dk2>
+      <a:lt2>
+        <a:srgbClr val="F3F3F3"/>
+      </a:lt2>
+      <a:accent1>
+        <a:srgbClr val="058DC7"/>
+      </a:accent1>
+      <a:accent2>
+        <a:srgbClr val="50B432"/>
+      </a:accent2>
+      <a:accent3>
+        <a:srgbClr val="ED561B"/>
+      </a:accent3>
+      <a:accent4>
+        <a:srgbClr val="EDEF00"/>
+      </a:accent4>
+      <a:accent5>
+        <a:srgbClr val="24CBE5"/>
+      </a:accent5>
+      <a:accent6>
+        <a:srgbClr val="64E572"/>
+      </a:accent6>
+      <a:hlink>
+        <a:srgbClr val="2200CC"/>
+      </a:hlink>
+      <a:folHlink>
+        <a:srgbClr val="551A8B"/>
+      </a:folHlink>
+    </a:clrScheme>
+    <a:fontScheme name="Office">
+      <a:majorFont>
+        <a:latin typeface="Arial"/>
+        <a:ea typeface=""/>
+        <a:cs typeface=""/>
+        <a:font script="Jpan" typeface="ＭＳ Ｐゴシック"/>
+        <a:font script="Hang" typeface="맑은 고딕"/>
+        <a:font script="Hans" typeface="宋体"/>
+        <a:font script="Hant" typeface="新細明體"/>
+        <a:font script="Arab" typeface="Times New Roman"/>
+        <a:font script="Hebr" typeface="Times New Roman"/>
+        <a:font script="Thai" typeface="Angsana New"/>
+        <a:font script="Ethi" typeface="Nyala"/>
+        <a:font script="Beng" typeface="Vrinda"/>
+        <a:font script="Gujr" typeface="Shruti"/>
+        <a:font script="Khmr" typeface="MoolBoran"/>
+        <a:font script="Knda" typeface="Tunga"/>
+        <a:font script="Guru" typeface="Raavi"/>
+        <a:font script="Cans" typeface="Euphemia"/>
+        <a:font script="Cher" typeface="Plantagenet Cherokee"/>
+        <a:font script="Yiii" typeface="Microsoft Yi Baiti"/>
+        <a:font script="Tibt" typeface="Microsoft Himalaya"/>
+        <a:font script="Thaa" typeface="MV Boli"/>
+        <a:font script="Deva" typeface="Mangal"/>
+        <a:font script="Telu" typeface="Gautami"/>
+        <a:font script="Taml" typeface="Latha"/>
+        <a:font script="Syrc" typeface="Estrangelo Edessa"/>
+        <a:font script="Orya" typeface="Kalinga"/>
+        <a:font script="Mlym" typeface="Kartika"/>
+        <a:font script="Laoo" typeface="DokChampa"/>
+        <a:font script="Sinh" typeface="Iskoola Pota"/>
+        <a:font script="Mong" typeface="Mongolian Baiti"/>
+        <a:font script="Viet" typeface="Times New Roman"/>
+        <a:font script="Uigh" typeface="Microsoft Uighur"/>
+        <a:font script="Geor" typeface="Sylfaen"/>
+      </a:majorFont>
+      <a:minorFont>
+        <a:latin typeface="Arial"/>
+        <a:ea typeface=""/>
+        <a:cs typeface=""/>
+        <a:font script="Jpan" typeface="ＭＳ Ｐゴシック"/>
+        <a:font script="Hang" typeface="맑은 고딕"/>
+        <a:font script="Hans" typeface="宋体"/>
+        <a:font script="Hant" typeface="新細明體"/>
+        <a:font script="Arab" typeface="Arial"/>
+        <a:font script="Hebr" typeface="Arial"/>
+        <a:font script="Thai" typeface="Cordia New"/>
+        <a:font script="Ethi" typeface="Nyala"/>
+        <a:font script="Beng" typeface="Vrinda"/>
+        <a:font script="Gujr" typeface="Shruti"/>
+        <a:font script="Khmr" typeface="DaunPenh"/>
+        <a:font script="Knda" typeface="Tunga"/>
+        <a:font script="Guru" typeface="Raavi"/>
+        <a:font script="Cans" typeface="Euphemia"/>
+        <a:font script="Cher" typeface="Plantagenet Cherokee"/>
+        <a:font script="Yiii" typeface="Microsoft Yi Baiti"/>
+        <a:font script="Tibt" typeface="Microsoft Himalaya"/>
+        <a:font script="Thaa" typeface="MV Boli"/>
+        <a:font script="Deva" typeface="Mangal"/>
+        <a:font script="Telu" typeface="Gautami"/>
+        <a:font script="Taml" typeface="Latha"/>
+        <a:font script="Syrc" typeface="Estrangelo Edessa"/>
+        <a:font script="Orya" typeface="Kalinga"/>
+        <a:font script="Mlym" typeface="Kartika"/>
+        <a:font script="Laoo" typeface="DokChampa"/>
+        <a:font script="Sinh" typeface="Iskoola Pota"/>
+        <a:font script="Mong" typeface="Mongolian Baiti"/>
+        <a:font script="Viet" typeface="Arial"/>
+        <a:font script="Uigh" typeface="Microsoft Uighur"/>
+        <a:font script="Geor" typeface="Sylfaen"/>
+      </a:minorFont>
+    </a:fontScheme>
+    <a:fmtScheme name="Office">
+      <a:fillStyleLst>
+        <a:solidFill>
+          <a:schemeClr val="phClr"/>
+        </a:solidFill>
+        <a:gradFill rotWithShape="1">
+          <a:gsLst>
+            <a:gs pos="0">
+              <a:schemeClr val="phClr">
+                <a:tint val="50000"/>
+                <a:satMod val="300000"/>
+              </a:schemeClr>
+            </a:gs>
+            <a:gs pos="35000">
+              <a:schemeClr val="phClr">
+                <a:tint val="37000"/>
+                <a:satMod val="300000"/>
+              </a:schemeClr>
+            </a:gs>
+            <a:gs pos="100000">
+              <a:schemeClr val="phClr">
+                <a:tint val="15000"/>
+                <a:satMod val="350000"/>
+              </a:schemeClr>
+            </a:gs>
+          </a:gsLst>
+          <a:lin ang="16200000" scaled="1"/>
+        </a:gradFill>
+        <a:gradFill rotWithShape="1">
+          <a:gsLst>
+            <a:gs pos="0">
+              <a:schemeClr val="phClr">
+                <a:tint val="100000"/>
+                <a:shade val="100000"/>
+                <a:satMod val="130000"/>
+              </a:schemeClr>
+            </a:gs>
+            <a:gs pos="100000">
+              <a:schemeClr val="phClr">
+                <a:tint val="50000"/>
+                <a:shade val="100000"/>
+                <a:satMod val="350000"/>
+              </a:schemeClr>
+            </a:gs>
+          </a:gsLst>
+          <a:lin ang="16200000" scaled="0"/>
+        </a:gradFill>
+      </a:fillStyleLst>
+      <a:lnStyleLst>
+        <a:ln w="9525" cap="flat" cmpd="sng" algn="ctr">
+          <a:solidFill>
+            <a:schemeClr val="phClr">
+              <a:shade val="95000"/>
+              <a:satMod val="105000"/>
+            </a:schemeClr>
+          </a:solidFill>
+          <a:prstDash val="solid"/>
+        </a:ln>
+        <a:ln w="25400" cap="flat" cmpd="sng" algn="ctr">
+          <a:solidFill>
+            <a:schemeClr val="phClr"/>
+          </a:solidFill>
+          <a:prstDash val="solid"/>
+        </a:ln>
+        <a:ln w="38100" cap="flat" cmpd="sng" algn="ctr">
+          <a:solidFill>
+            <a:schemeClr val="phClr"/>
+          </a:solidFill>
+          <a:prstDash val="solid"/>
+        </a:ln>
+      </a:lnStyleLst>
+      <a:effectStyleLst>
+        <a:effectStyle>
+          <a:effectLst>
+            <a:outerShdw blurRad="40000" dist="20000" dir="5400000" rotWithShape="0">
+              <a:srgbClr val="000000">
+                <a:alpha val="38000"/>
+              </a:srgbClr>
+            </a:outerShdw>
+          </a:effectLst>
+        </a:effectStyle>
+        <a:effectStyle>
+          <a:effectLst>
+            <a:outerShdw blurRad="40000" dist="23000" dir="5400000" rotWithShape="0">
+              <a:srgbClr val="000000">
+                <a:alpha val="35000"/>
+              </a:srgbClr>
+            </a:outerShdw>
+          </a:effectLst>
+        </a:effectStyle>
+        <a:effectStyle>
+          <a:effectLst>
+            <a:outerShdw blurRad="40000" dist="23000" dir="5400000" rotWithShape="0">
+              <a:srgbClr val="000000">
+                <a:alpha val="35000"/>
+              </a:srgbClr>
+            </a:outerShdw>
+          </a:effectLst>
+          <a:scene3d>
+            <a:camera prst="orthographicFront">
+              <a:rot lat="0" lon="0" rev="0"/>
+            </a:camera>
+            <a:lightRig rig="threePt" dir="t">
+              <a:rot lat="0" lon="0" rev="1200000"/>
+            </a:lightRig>
+          </a:scene3d>
+          <a:sp3d>
+            <a:bevelT w="63500" h="25400"/>
+          </a:sp3d>
+        </a:effectStyle>
+      </a:effectStyleLst>
+      <a:bgFillStyleLst>
+        <a:solidFill>
+          <a:schemeClr val="phClr"/>
+        </a:solidFill>
+        <a:gradFill rotWithShape="1">
+          <a:gsLst>
+            <a:gs pos="0">
+              <a:schemeClr val="phClr">
+                <a:tint val="40000"/>
+                <a:satMod val="350000"/>
+              </a:schemeClr>
+            </a:gs>
+            <a:gs pos="40000">
+              <a:schemeClr val="phClr">
+                <a:tint val="45000"/>
+                <a:shade val="99000"/>
+                <a:satMod val="350000"/>
+              </a:schemeClr>
+            </a:gs>
+            <a:gs pos="100000">
+              <a:schemeClr val="phClr">
+                <a:shade val="20000"/>
+                <a:satMod val="255000"/>
+              </a:schemeClr>
+            </a:gs>
+          </a:gsLst>
+          <a:path path="circle">
+            <a:fillToRect l="50000" t="-80000" r="50000" b="180000"/>
+          </a:path>
+        </a:gradFill>
+        <a:gradFill rotWithShape="1">
+          <a:gsLst>
+            <a:gs pos="0">
+              <a:schemeClr val="phClr">
+                <a:tint val="80000"/>
+                <a:satMod val="300000"/>
+              </a:schemeClr>
+            </a:gs>
+            <a:gs pos="100000">
+              <a:schemeClr val="phClr">
+                <a:shade val="30000"/>
+                <a:satMod val="200000"/>
+              </a:schemeClr>
+            </a:gs>
+          </a:gsLst>
+          <a:path path="circle">
+            <a:fillToRect l="50000" t="50000" r="50000" b="50000"/>
+          </a:path>
+        </a:gradFill>
+      </a:bgFillStyleLst>
+    </a:fmtScheme>
+  </a:themeElements>
+</a:theme>
+</file>
+
+<file path=ppt/theme/theme2.xml><?xml version="1.0" encoding="utf-8"?>
 <a:theme xmlns:a="http://schemas.openxmlformats.org/drawingml/2006/main" xmlns:r="http://schemas.openxmlformats.org/officeDocument/2006/relationships" name="Spearmint">
   <a:themeElements>
     <a:clrScheme name="Spearmint">
@@ -11978,283 +11829,4 @@
     </a:fmtScheme>
   </a:themeElements>
 </a:theme>
-</file>
-
-<file path=ppt/theme/theme2.xml><?xml version="1.0" encoding="utf-8"?>
-<a:theme xmlns:a="http://schemas.openxmlformats.org/drawingml/2006/main" xmlns:r="http://schemas.openxmlformats.org/officeDocument/2006/relationships">
-  <a:themeElements>
-    <a:clrScheme name="Default">
-      <a:dk1>
-        <a:srgbClr val="000000"/>
-      </a:dk1>
-      <a:lt1>
-        <a:srgbClr val="FFFFFF"/>
-      </a:lt1>
-      <a:dk2>
-        <a:srgbClr val="158158"/>
-      </a:dk2>
-      <a:lt2>
-        <a:srgbClr val="F3F3F3"/>
-      </a:lt2>
-      <a:accent1>
-        <a:srgbClr val="058DC7"/>
-      </a:accent1>
-      <a:accent2>
-        <a:srgbClr val="50B432"/>
-      </a:accent2>
-      <a:accent3>
-        <a:srgbClr val="ED561B"/>
-      </a:accent3>
-      <a:accent4>
-        <a:srgbClr val="EDEF00"/>
-      </a:accent4>
-      <a:accent5>
-        <a:srgbClr val="24CBE5"/>
-      </a:accent5>
-      <a:accent6>
-        <a:srgbClr val="64E572"/>
-      </a:accent6>
-      <a:hlink>
-        <a:srgbClr val="2200CC"/>
-      </a:hlink>
-      <a:folHlink>
-        <a:srgbClr val="551A8B"/>
-      </a:folHlink>
-    </a:clrScheme>
-    <a:fontScheme name="Office">
-      <a:majorFont>
-        <a:latin typeface="Arial"/>
-        <a:ea typeface=""/>
-        <a:cs typeface=""/>
-        <a:font script="Jpan" typeface="ＭＳ Ｐゴシック"/>
-        <a:font script="Hang" typeface="맑은 고딕"/>
-        <a:font script="Hans" typeface="宋体"/>
-        <a:font script="Hant" typeface="新細明體"/>
-        <a:font script="Arab" typeface="Times New Roman"/>
-        <a:font script="Hebr" typeface="Times New Roman"/>
-        <a:font script="Thai" typeface="Angsana New"/>
-        <a:font script="Ethi" typeface="Nyala"/>
-        <a:font script="Beng" typeface="Vrinda"/>
-        <a:font script="Gujr" typeface="Shruti"/>
-        <a:font script="Khmr" typeface="MoolBoran"/>
-        <a:font script="Knda" typeface="Tunga"/>
-        <a:font script="Guru" typeface="Raavi"/>
-        <a:font script="Cans" typeface="Euphemia"/>
-        <a:font script="Cher" typeface="Plantagenet Cherokee"/>
-        <a:font script="Yiii" typeface="Microsoft Yi Baiti"/>
-        <a:font script="Tibt" typeface="Microsoft Himalaya"/>
-        <a:font script="Thaa" typeface="MV Boli"/>
-        <a:font script="Deva" typeface="Mangal"/>
-        <a:font script="Telu" typeface="Gautami"/>
-        <a:font script="Taml" typeface="Latha"/>
-        <a:font script="Syrc" typeface="Estrangelo Edessa"/>
-        <a:font script="Orya" typeface="Kalinga"/>
-        <a:font script="Mlym" typeface="Kartika"/>
-        <a:font script="Laoo" typeface="DokChampa"/>
-        <a:font script="Sinh" typeface="Iskoola Pota"/>
-        <a:font script="Mong" typeface="Mongolian Baiti"/>
-        <a:font script="Viet" typeface="Times New Roman"/>
-        <a:font script="Uigh" typeface="Microsoft Uighur"/>
-        <a:font script="Geor" typeface="Sylfaen"/>
-      </a:majorFont>
-      <a:minorFont>
-        <a:latin typeface="Arial"/>
-        <a:ea typeface=""/>
-        <a:cs typeface=""/>
-        <a:font script="Jpan" typeface="ＭＳ Ｐゴシック"/>
-        <a:font script="Hang" typeface="맑은 고딕"/>
-        <a:font script="Hans" typeface="宋体"/>
-        <a:font script="Hant" typeface="新細明體"/>
-        <a:font script="Arab" typeface="Arial"/>
-        <a:font script="Hebr" typeface="Arial"/>
-        <a:font script="Thai" typeface="Cordia New"/>
-        <a:font script="Ethi" typeface="Nyala"/>
-        <a:font script="Beng" typeface="Vrinda"/>
-        <a:font script="Gujr" typeface="Shruti"/>
-        <a:font script="Khmr" typeface="DaunPenh"/>
-        <a:font script="Knda" typeface="Tunga"/>
-        <a:font script="Guru" typeface="Raavi"/>
-        <a:font script="Cans" typeface="Euphemia"/>
-        <a:font script="Cher" typeface="Plantagenet Cherokee"/>
-        <a:font script="Yiii" typeface="Microsoft Yi Baiti"/>
-        <a:font script="Tibt" typeface="Microsoft Himalaya"/>
-        <a:font script="Thaa" typeface="MV Boli"/>
-        <a:font script="Deva" typeface="Mangal"/>
-        <a:font script="Telu" typeface="Gautami"/>
-        <a:font script="Taml" typeface="Latha"/>
-        <a:font script="Syrc" typeface="Estrangelo Edessa"/>
-        <a:font script="Orya" typeface="Kalinga"/>
-        <a:font script="Mlym" typeface="Kartika"/>
-        <a:font script="Laoo" typeface="DokChampa"/>
-        <a:font script="Sinh" typeface="Iskoola Pota"/>
-        <a:font script="Mong" typeface="Mongolian Baiti"/>
-        <a:font script="Viet" typeface="Arial"/>
-        <a:font script="Uigh" typeface="Microsoft Uighur"/>
-        <a:font script="Geor" typeface="Sylfaen"/>
-      </a:minorFont>
-    </a:fontScheme>
-    <a:fmtScheme name="Office">
-      <a:fillStyleLst>
-        <a:solidFill>
-          <a:schemeClr val="phClr"/>
-        </a:solidFill>
-        <a:gradFill rotWithShape="1">
-          <a:gsLst>
-            <a:gs pos="0">
-              <a:schemeClr val="phClr">
-                <a:tint val="50000"/>
-                <a:satMod val="300000"/>
-              </a:schemeClr>
-            </a:gs>
-            <a:gs pos="35000">
-              <a:schemeClr val="phClr">
-                <a:tint val="37000"/>
-                <a:satMod val="300000"/>
-              </a:schemeClr>
-            </a:gs>
-            <a:gs pos="100000">
-              <a:schemeClr val="phClr">
-                <a:tint val="15000"/>
-                <a:satMod val="350000"/>
-              </a:schemeClr>
-            </a:gs>
-          </a:gsLst>
-          <a:lin ang="16200000" scaled="1"/>
-        </a:gradFill>
-        <a:gradFill rotWithShape="1">
-          <a:gsLst>
-            <a:gs pos="0">
-              <a:schemeClr val="phClr">
-                <a:tint val="100000"/>
-                <a:shade val="100000"/>
-                <a:satMod val="130000"/>
-              </a:schemeClr>
-            </a:gs>
-            <a:gs pos="100000">
-              <a:schemeClr val="phClr">
-                <a:tint val="50000"/>
-                <a:shade val="100000"/>
-                <a:satMod val="350000"/>
-              </a:schemeClr>
-            </a:gs>
-          </a:gsLst>
-          <a:lin ang="16200000" scaled="0"/>
-        </a:gradFill>
-      </a:fillStyleLst>
-      <a:lnStyleLst>
-        <a:ln w="9525" cap="flat" cmpd="sng" algn="ctr">
-          <a:solidFill>
-            <a:schemeClr val="phClr">
-              <a:shade val="95000"/>
-              <a:satMod val="105000"/>
-            </a:schemeClr>
-          </a:solidFill>
-          <a:prstDash val="solid"/>
-        </a:ln>
-        <a:ln w="25400" cap="flat" cmpd="sng" algn="ctr">
-          <a:solidFill>
-            <a:schemeClr val="phClr"/>
-          </a:solidFill>
-          <a:prstDash val="solid"/>
-        </a:ln>
-        <a:ln w="38100" cap="flat" cmpd="sng" algn="ctr">
-          <a:solidFill>
-            <a:schemeClr val="phClr"/>
-          </a:solidFill>
-          <a:prstDash val="solid"/>
-        </a:ln>
-      </a:lnStyleLst>
-      <a:effectStyleLst>
-        <a:effectStyle>
-          <a:effectLst>
-            <a:outerShdw blurRad="40000" dist="20000" dir="5400000" rotWithShape="0">
-              <a:srgbClr val="000000">
-                <a:alpha val="38000"/>
-              </a:srgbClr>
-            </a:outerShdw>
-          </a:effectLst>
-        </a:effectStyle>
-        <a:effectStyle>
-          <a:effectLst>
-            <a:outerShdw blurRad="40000" dist="23000" dir="5400000" rotWithShape="0">
-              <a:srgbClr val="000000">
-                <a:alpha val="35000"/>
-              </a:srgbClr>
-            </a:outerShdw>
-          </a:effectLst>
-        </a:effectStyle>
-        <a:effectStyle>
-          <a:effectLst>
-            <a:outerShdw blurRad="40000" dist="23000" dir="5400000" rotWithShape="0">
-              <a:srgbClr val="000000">
-                <a:alpha val="35000"/>
-              </a:srgbClr>
-            </a:outerShdw>
-          </a:effectLst>
-          <a:scene3d>
-            <a:camera prst="orthographicFront">
-              <a:rot lat="0" lon="0" rev="0"/>
-            </a:camera>
-            <a:lightRig rig="threePt" dir="t">
-              <a:rot lat="0" lon="0" rev="1200000"/>
-            </a:lightRig>
-          </a:scene3d>
-          <a:sp3d>
-            <a:bevelT w="63500" h="25400"/>
-          </a:sp3d>
-        </a:effectStyle>
-      </a:effectStyleLst>
-      <a:bgFillStyleLst>
-        <a:solidFill>
-          <a:schemeClr val="phClr"/>
-        </a:solidFill>
-        <a:gradFill rotWithShape="1">
-          <a:gsLst>
-            <a:gs pos="0">
-              <a:schemeClr val="phClr">
-                <a:tint val="40000"/>
-                <a:satMod val="350000"/>
-              </a:schemeClr>
-            </a:gs>
-            <a:gs pos="40000">
-              <a:schemeClr val="phClr">
-                <a:tint val="45000"/>
-                <a:shade val="99000"/>
-                <a:satMod val="350000"/>
-              </a:schemeClr>
-            </a:gs>
-            <a:gs pos="100000">
-              <a:schemeClr val="phClr">
-                <a:shade val="20000"/>
-                <a:satMod val="255000"/>
-              </a:schemeClr>
-            </a:gs>
-          </a:gsLst>
-          <a:path path="circle">
-            <a:fillToRect l="50000" t="-80000" r="50000" b="180000"/>
-          </a:path>
-        </a:gradFill>
-        <a:gradFill rotWithShape="1">
-          <a:gsLst>
-            <a:gs pos="0">
-              <a:schemeClr val="phClr">
-                <a:tint val="80000"/>
-                <a:satMod val="300000"/>
-              </a:schemeClr>
-            </a:gs>
-            <a:gs pos="100000">
-              <a:schemeClr val="phClr">
-                <a:shade val="30000"/>
-                <a:satMod val="200000"/>
-              </a:schemeClr>
-            </a:gs>
-          </a:gsLst>
-          <a:path path="circle">
-            <a:fillToRect l="50000" t="50000" r="50000" b="50000"/>
-          </a:path>
-        </a:gradFill>
-      </a:bgFillStyleLst>
-    </a:fmtScheme>
-  </a:themeElements>
-</a:theme>
 </file>